--- a/slides/Intro to C++ 2.pptx
+++ b/slides/Intro to C++ 2.pptx
@@ -24,7 +24,15 @@
     <p:sldId id="272" r:id="rId18"/>
     <p:sldId id="273" r:id="rId19"/>
     <p:sldId id="274" r:id="rId20"/>
-    <p:sldId id="275" r:id="rId21"/>
+    <p:sldId id="276" r:id="rId21"/>
+    <p:sldId id="277" r:id="rId22"/>
+    <p:sldId id="278" r:id="rId23"/>
+    <p:sldId id="279" r:id="rId24"/>
+    <p:sldId id="280" r:id="rId25"/>
+    <p:sldId id="281" r:id="rId26"/>
+    <p:sldId id="282" r:id="rId27"/>
+    <p:sldId id="283" r:id="rId28"/>
+    <p:sldId id="275" r:id="rId29"/>
   </p:sldIdLst>
   <p:sldSz cx="12192000" cy="6858000"/>
   <p:notesSz cx="6858000" cy="9144000"/>
@@ -129,6 +137,10 @@
     </p:ext>
   </p:extLst>
 </p:presentation>
+</file>
+
+<file path=ppt/revisionInfo.xml><?xml version="1.0" encoding="utf-8"?>
+<p1510:revInfo xmlns:a="http://schemas.openxmlformats.org/drawingml/2006/main" xmlns:r="http://schemas.openxmlformats.org/officeDocument/2006/relationships" xmlns:p1510="http://schemas.microsoft.com/office/powerpoint/2015/10/main"/>
 </file>
 
 <file path=ppt/slideLayouts/slideLayout1.xml><?xml version="1.0" encoding="utf-8"?>
@@ -852,11 +864,11 @@
           <a:lstStyle/>
           <a:p>
             <a:fld id="{B61BEF0D-F0BB-DE4B-95CE-6DB70DBA9567}" type="datetimeFigureOut">
-              <a:rPr lang="en-US" dirty="0"/>
+              <a:rPr lang="en-US"/>
               <a:pPr/>
-              <a:t>9/4/2017</a:t>
+              <a:t>9/11/2017</a:t>
             </a:fld>
-            <a:endParaRPr lang="en-US" dirty="0"/>
+            <a:endParaRPr lang="en-US"/>
           </a:p>
         </p:txBody>
       </p:sp>
@@ -875,7 +887,7 @@
           <a:bodyPr/>
           <a:lstStyle/>
           <a:p>
-            <a:endParaRPr lang="en-US" dirty="0"/>
+            <a:endParaRPr lang="en-US"/>
           </a:p>
         </p:txBody>
       </p:sp>
@@ -895,11 +907,11 @@
           <a:lstStyle/>
           <a:p>
             <a:fld id="{D57F1E4F-1CFF-5643-939E-217C01CDF565}" type="slidenum">
-              <a:rPr lang="en-US" dirty="0"/>
+              <a:rPr lang="en-US"/>
               <a:pPr/>
               <a:t>‹#›</a:t>
             </a:fld>
-            <a:endParaRPr lang="en-US" dirty="0"/>
+            <a:endParaRPr lang="en-US"/>
           </a:p>
         </p:txBody>
       </p:sp>
@@ -1100,11 +1112,11 @@
           <a:lstStyle/>
           <a:p>
             <a:fld id="{B61BEF0D-F0BB-DE4B-95CE-6DB70DBA9567}" type="datetimeFigureOut">
-              <a:rPr lang="en-US" dirty="0"/>
+              <a:rPr lang="en-US"/>
               <a:pPr/>
-              <a:t>9/4/2017</a:t>
+              <a:t>9/11/2017</a:t>
             </a:fld>
-            <a:endParaRPr lang="en-US" dirty="0"/>
+            <a:endParaRPr lang="en-US"/>
           </a:p>
         </p:txBody>
       </p:sp>
@@ -1123,7 +1135,7 @@
           <a:bodyPr/>
           <a:lstStyle/>
           <a:p>
-            <a:endParaRPr lang="en-US" dirty="0"/>
+            <a:endParaRPr lang="en-US"/>
           </a:p>
         </p:txBody>
       </p:sp>
@@ -1143,11 +1155,11 @@
           <a:lstStyle/>
           <a:p>
             <a:fld id="{D57F1E4F-1CFF-5643-939E-217C01CDF565}" type="slidenum">
-              <a:rPr lang="en-US" dirty="0"/>
+              <a:rPr lang="en-US"/>
               <a:pPr/>
               <a:t>‹#›</a:t>
             </a:fld>
-            <a:endParaRPr lang="en-US" dirty="0"/>
+            <a:endParaRPr lang="en-US"/>
           </a:p>
         </p:txBody>
       </p:sp>
@@ -1411,11 +1423,11 @@
           <a:lstStyle/>
           <a:p>
             <a:fld id="{B61BEF0D-F0BB-DE4B-95CE-6DB70DBA9567}" type="datetimeFigureOut">
-              <a:rPr lang="en-US" dirty="0"/>
+              <a:rPr lang="en-US"/>
               <a:pPr/>
-              <a:t>9/4/2017</a:t>
+              <a:t>9/11/2017</a:t>
             </a:fld>
-            <a:endParaRPr lang="en-US" dirty="0"/>
+            <a:endParaRPr lang="en-US"/>
           </a:p>
         </p:txBody>
       </p:sp>
@@ -1434,7 +1446,7 @@
           <a:bodyPr/>
           <a:lstStyle/>
           <a:p>
-            <a:endParaRPr lang="en-US" dirty="0"/>
+            <a:endParaRPr lang="en-US"/>
           </a:p>
         </p:txBody>
       </p:sp>
@@ -1454,11 +1466,11 @@
           <a:lstStyle/>
           <a:p>
             <a:fld id="{D57F1E4F-1CFF-5643-939E-217C01CDF565}" type="slidenum">
-              <a:rPr lang="en-US" dirty="0"/>
+              <a:rPr lang="en-US"/>
               <a:pPr/>
               <a:t>‹#›</a:t>
             </a:fld>
-            <a:endParaRPr lang="en-US" dirty="0"/>
+            <a:endParaRPr lang="en-US"/>
           </a:p>
         </p:txBody>
       </p:sp>
@@ -1485,7 +1497,7 @@
           <a:p>
             <a:pPr lvl="0"/>
             <a:r>
-              <a:rPr lang="en-US" sz="8000" baseline="0" dirty="0">
+              <a:rPr lang="en-US" sz="8000" baseline="0">
                 <a:ln w="3175" cmpd="sng">
                   <a:noFill/>
                 </a:ln>
@@ -1526,7 +1538,7 @@
           <a:p>
             <a:pPr lvl="0"/>
             <a:r>
-              <a:rPr lang="en-US" sz="8000" baseline="0" dirty="0">
+              <a:rPr lang="en-US" sz="8000" baseline="0">
                 <a:ln w="3175" cmpd="sng">
                   <a:noFill/>
                 </a:ln>
@@ -1540,7 +1552,7 @@
               </a:rPr>
               <a:t>”</a:t>
             </a:r>
-            <a:endParaRPr lang="en-US" dirty="0">
+            <a:endParaRPr lang="en-US">
               <a:solidFill>
                 <a:schemeClr val="accent1">
                   <a:lumMod val="60000"/>
@@ -1749,11 +1761,11 @@
           <a:lstStyle/>
           <a:p>
             <a:fld id="{B61BEF0D-F0BB-DE4B-95CE-6DB70DBA9567}" type="datetimeFigureOut">
-              <a:rPr lang="en-US" dirty="0"/>
+              <a:rPr lang="en-US"/>
               <a:pPr/>
-              <a:t>9/4/2017</a:t>
+              <a:t>9/11/2017</a:t>
             </a:fld>
-            <a:endParaRPr lang="en-US" dirty="0"/>
+            <a:endParaRPr lang="en-US"/>
           </a:p>
         </p:txBody>
       </p:sp>
@@ -1772,7 +1784,7 @@
           <a:bodyPr/>
           <a:lstStyle/>
           <a:p>
-            <a:endParaRPr lang="en-US" dirty="0"/>
+            <a:endParaRPr lang="en-US"/>
           </a:p>
         </p:txBody>
       </p:sp>
@@ -1792,11 +1804,11 @@
           <a:lstStyle/>
           <a:p>
             <a:fld id="{D57F1E4F-1CFF-5643-939E-217C01CDF565}" type="slidenum">
-              <a:rPr lang="en-US" dirty="0"/>
+              <a:rPr lang="en-US"/>
               <a:pPr/>
               <a:t>‹#›</a:t>
             </a:fld>
-            <a:endParaRPr lang="en-US" dirty="0"/>
+            <a:endParaRPr lang="en-US"/>
           </a:p>
         </p:txBody>
       </p:sp>
@@ -2060,11 +2072,11 @@
           <a:lstStyle/>
           <a:p>
             <a:fld id="{B61BEF0D-F0BB-DE4B-95CE-6DB70DBA9567}" type="datetimeFigureOut">
-              <a:rPr lang="en-US" dirty="0"/>
+              <a:rPr lang="en-US"/>
               <a:pPr/>
-              <a:t>9/4/2017</a:t>
+              <a:t>9/11/2017</a:t>
             </a:fld>
-            <a:endParaRPr lang="en-US" dirty="0"/>
+            <a:endParaRPr lang="en-US"/>
           </a:p>
         </p:txBody>
       </p:sp>
@@ -2083,7 +2095,7 @@
           <a:bodyPr/>
           <a:lstStyle/>
           <a:p>
-            <a:endParaRPr lang="en-US" dirty="0"/>
+            <a:endParaRPr lang="en-US"/>
           </a:p>
         </p:txBody>
       </p:sp>
@@ -2103,11 +2115,11 @@
           <a:lstStyle/>
           <a:p>
             <a:fld id="{D57F1E4F-1CFF-5643-939E-217C01CDF565}" type="slidenum">
-              <a:rPr lang="en-US" dirty="0"/>
+              <a:rPr lang="en-US"/>
               <a:pPr/>
               <a:t>‹#›</a:t>
             </a:fld>
-            <a:endParaRPr lang="en-US" dirty="0"/>
+            <a:endParaRPr lang="en-US"/>
           </a:p>
         </p:txBody>
       </p:sp>
@@ -2134,7 +2146,7 @@
           <a:p>
             <a:pPr lvl="0"/>
             <a:r>
-              <a:rPr lang="en-US" sz="8000" baseline="0" dirty="0">
+              <a:rPr lang="en-US" sz="8000" baseline="0">
                 <a:ln w="3175" cmpd="sng">
                   <a:noFill/>
                 </a:ln>
@@ -2175,7 +2187,7 @@
           <a:p>
             <a:pPr lvl="0"/>
             <a:r>
-              <a:rPr lang="en-US" sz="8000" baseline="0" dirty="0">
+              <a:rPr lang="en-US" sz="8000" baseline="0">
                 <a:ln w="3175" cmpd="sng">
                   <a:noFill/>
                 </a:ln>
@@ -2450,11 +2462,11 @@
           <a:lstStyle/>
           <a:p>
             <a:fld id="{B61BEF0D-F0BB-DE4B-95CE-6DB70DBA9567}" type="datetimeFigureOut">
-              <a:rPr lang="en-US" dirty="0"/>
+              <a:rPr lang="en-US"/>
               <a:pPr/>
-              <a:t>9/4/2017</a:t>
+              <a:t>9/11/2017</a:t>
             </a:fld>
-            <a:endParaRPr lang="en-US" dirty="0"/>
+            <a:endParaRPr lang="en-US"/>
           </a:p>
         </p:txBody>
       </p:sp>
@@ -2473,7 +2485,7 @@
           <a:bodyPr/>
           <a:lstStyle/>
           <a:p>
-            <a:endParaRPr lang="en-US" dirty="0"/>
+            <a:endParaRPr lang="en-US"/>
           </a:p>
         </p:txBody>
       </p:sp>
@@ -2493,11 +2505,11 @@
           <a:lstStyle/>
           <a:p>
             <a:fld id="{D57F1E4F-1CFF-5643-939E-217C01CDF565}" type="slidenum">
-              <a:rPr lang="en-US" dirty="0"/>
+              <a:rPr lang="en-US"/>
               <a:pPr/>
               <a:t>‹#›</a:t>
             </a:fld>
-            <a:endParaRPr lang="en-US" dirty="0"/>
+            <a:endParaRPr lang="en-US"/>
           </a:p>
         </p:txBody>
       </p:sp>
@@ -2617,10 +2629,10 @@
           <a:lstStyle/>
           <a:p>
             <a:fld id="{55C6B4A9-1611-4792-9094-5F34BCA07E0B}" type="datetimeFigureOut">
-              <a:rPr lang="en-US" dirty="0"/>
-              <a:t>9/4/2017</a:t>
+              <a:rPr lang="en-US"/>
+              <a:t>9/11/2017</a:t>
             </a:fld>
-            <a:endParaRPr lang="en-US" dirty="0"/>
+            <a:endParaRPr lang="en-US"/>
           </a:p>
         </p:txBody>
       </p:sp>
@@ -2639,7 +2651,7 @@
           <a:bodyPr/>
           <a:lstStyle/>
           <a:p>
-            <a:endParaRPr lang="en-US" dirty="0"/>
+            <a:endParaRPr lang="en-US"/>
           </a:p>
         </p:txBody>
       </p:sp>
@@ -2659,10 +2671,10 @@
           <a:lstStyle/>
           <a:p>
             <a:fld id="{89333C77-0158-454C-844F-B7AB9BD7DAD4}" type="slidenum">
-              <a:rPr lang="en-US" dirty="0"/>
+              <a:rPr lang="en-US"/>
               <a:t>‹#›</a:t>
             </a:fld>
-            <a:endParaRPr lang="en-US" dirty="0"/>
+            <a:endParaRPr lang="en-US"/>
           </a:p>
         </p:txBody>
       </p:sp>
@@ -2792,11 +2804,11 @@
           <a:lstStyle/>
           <a:p>
             <a:fld id="{B61BEF0D-F0BB-DE4B-95CE-6DB70DBA9567}" type="datetimeFigureOut">
-              <a:rPr lang="en-US" dirty="0"/>
+              <a:rPr lang="en-US"/>
               <a:pPr/>
-              <a:t>9/4/2017</a:t>
+              <a:t>9/11/2017</a:t>
             </a:fld>
-            <a:endParaRPr lang="en-US" dirty="0"/>
+            <a:endParaRPr lang="en-US"/>
           </a:p>
         </p:txBody>
       </p:sp>
@@ -2815,7 +2827,7 @@
           <a:bodyPr/>
           <a:lstStyle/>
           <a:p>
-            <a:endParaRPr lang="en-US" dirty="0"/>
+            <a:endParaRPr lang="en-US"/>
           </a:p>
         </p:txBody>
       </p:sp>
@@ -2835,11 +2847,11 @@
           <a:lstStyle/>
           <a:p>
             <a:fld id="{D57F1E4F-1CFF-5643-939E-217C01CDF565}" type="slidenum">
-              <a:rPr lang="en-US" dirty="0"/>
+              <a:rPr lang="en-US"/>
               <a:pPr/>
               <a:t>‹#›</a:t>
             </a:fld>
-            <a:endParaRPr lang="en-US" dirty="0"/>
+            <a:endParaRPr lang="en-US"/>
           </a:p>
         </p:txBody>
       </p:sp>
@@ -2965,11 +2977,11 @@
           <a:lstStyle/>
           <a:p>
             <a:fld id="{B61BEF0D-F0BB-DE4B-95CE-6DB70DBA9567}" type="datetimeFigureOut">
-              <a:rPr lang="en-US" dirty="0"/>
+              <a:rPr lang="en-US"/>
               <a:pPr/>
-              <a:t>9/4/2017</a:t>
+              <a:t>9/11/2017</a:t>
             </a:fld>
-            <a:endParaRPr lang="en-US" dirty="0"/>
+            <a:endParaRPr lang="en-US"/>
           </a:p>
         </p:txBody>
       </p:sp>
@@ -2988,7 +3000,7 @@
           <a:bodyPr/>
           <a:lstStyle/>
           <a:p>
-            <a:endParaRPr lang="en-US" dirty="0"/>
+            <a:endParaRPr lang="en-US"/>
           </a:p>
         </p:txBody>
       </p:sp>
@@ -3008,11 +3020,11 @@
           <a:lstStyle/>
           <a:p>
             <a:fld id="{D57F1E4F-1CFF-5643-939E-217C01CDF565}" type="slidenum">
-              <a:rPr lang="en-US" dirty="0"/>
+              <a:rPr lang="en-US"/>
               <a:pPr/>
               <a:t>‹#›</a:t>
             </a:fld>
-            <a:endParaRPr lang="en-US" dirty="0"/>
+            <a:endParaRPr lang="en-US"/>
           </a:p>
         </p:txBody>
       </p:sp>
@@ -3209,11 +3221,11 @@
           <a:lstStyle/>
           <a:p>
             <a:fld id="{B61BEF0D-F0BB-DE4B-95CE-6DB70DBA9567}" type="datetimeFigureOut">
-              <a:rPr lang="en-US" dirty="0"/>
+              <a:rPr lang="en-US"/>
               <a:pPr/>
-              <a:t>9/4/2017</a:t>
+              <a:t>9/11/2017</a:t>
             </a:fld>
-            <a:endParaRPr lang="en-US" dirty="0"/>
+            <a:endParaRPr lang="en-US"/>
           </a:p>
         </p:txBody>
       </p:sp>
@@ -3232,7 +3244,7 @@
           <a:bodyPr/>
           <a:lstStyle/>
           <a:p>
-            <a:endParaRPr lang="en-US" dirty="0"/>
+            <a:endParaRPr lang="en-US"/>
           </a:p>
         </p:txBody>
       </p:sp>
@@ -3252,11 +3264,11 @@
           <a:lstStyle/>
           <a:p>
             <a:fld id="{D57F1E4F-1CFF-5643-939E-217C01CDF565}" type="slidenum">
-              <a:rPr lang="en-US" dirty="0"/>
+              <a:rPr lang="en-US"/>
               <a:pPr/>
               <a:t>‹#›</a:t>
             </a:fld>
-            <a:endParaRPr lang="en-US" dirty="0"/>
+            <a:endParaRPr lang="en-US"/>
           </a:p>
         </p:txBody>
       </p:sp>
@@ -3438,10 +3450,10 @@
           <a:lstStyle/>
           <a:p>
             <a:fld id="{EB712588-04B1-427B-82EE-E8DB90309F08}" type="datetimeFigureOut">
-              <a:rPr lang="en-US" dirty="0"/>
-              <a:t>9/4/2017</a:t>
+              <a:rPr lang="en-US"/>
+              <a:t>9/11/2017</a:t>
             </a:fld>
-            <a:endParaRPr lang="en-US" dirty="0"/>
+            <a:endParaRPr lang="en-US"/>
           </a:p>
         </p:txBody>
       </p:sp>
@@ -3460,7 +3472,7 @@
           <a:bodyPr/>
           <a:lstStyle/>
           <a:p>
-            <a:endParaRPr lang="en-US" dirty="0"/>
+            <a:endParaRPr lang="en-US"/>
           </a:p>
         </p:txBody>
       </p:sp>
@@ -3480,10 +3492,10 @@
           <a:lstStyle/>
           <a:p>
             <a:fld id="{6FF9F0C5-380F-41C2-899A-BAC0F0927E16}" type="slidenum">
-              <a:rPr lang="en-US" dirty="0"/>
+              <a:rPr lang="en-US"/>
               <a:t>‹#›</a:t>
             </a:fld>
-            <a:endParaRPr lang="en-US" dirty="0"/>
+            <a:endParaRPr lang="en-US"/>
           </a:p>
         </p:txBody>
       </p:sp>
@@ -3807,11 +3819,11 @@
           <a:lstStyle/>
           <a:p>
             <a:fld id="{B61BEF0D-F0BB-DE4B-95CE-6DB70DBA9567}" type="datetimeFigureOut">
-              <a:rPr lang="en-US" dirty="0"/>
+              <a:rPr lang="en-US"/>
               <a:pPr/>
-              <a:t>9/4/2017</a:t>
+              <a:t>9/11/2017</a:t>
             </a:fld>
-            <a:endParaRPr lang="en-US" dirty="0"/>
+            <a:endParaRPr lang="en-US"/>
           </a:p>
         </p:txBody>
       </p:sp>
@@ -3830,7 +3842,7 @@
           <a:bodyPr/>
           <a:lstStyle/>
           <a:p>
-            <a:endParaRPr lang="en-US" dirty="0"/>
+            <a:endParaRPr lang="en-US"/>
           </a:p>
         </p:txBody>
       </p:sp>
@@ -3850,11 +3862,11 @@
           <a:lstStyle/>
           <a:p>
             <a:fld id="{D57F1E4F-1CFF-5643-939E-217C01CDF565}" type="slidenum">
-              <a:rPr lang="en-US" dirty="0"/>
+              <a:rPr lang="en-US"/>
               <a:pPr/>
               <a:t>‹#›</a:t>
             </a:fld>
-            <a:endParaRPr lang="en-US" dirty="0"/>
+            <a:endParaRPr lang="en-US"/>
           </a:p>
         </p:txBody>
       </p:sp>
@@ -3927,11 +3939,11 @@
           <a:lstStyle/>
           <a:p>
             <a:fld id="{B61BEF0D-F0BB-DE4B-95CE-6DB70DBA9567}" type="datetimeFigureOut">
-              <a:rPr lang="en-US" dirty="0"/>
+              <a:rPr lang="en-US"/>
               <a:pPr/>
-              <a:t>9/4/2017</a:t>
+              <a:t>9/11/2017</a:t>
             </a:fld>
-            <a:endParaRPr lang="en-US" dirty="0"/>
+            <a:endParaRPr lang="en-US"/>
           </a:p>
         </p:txBody>
       </p:sp>
@@ -3950,7 +3962,7 @@
           <a:bodyPr/>
           <a:lstStyle/>
           <a:p>
-            <a:endParaRPr lang="en-US" dirty="0"/>
+            <a:endParaRPr lang="en-US"/>
           </a:p>
         </p:txBody>
       </p:sp>
@@ -3970,11 +3982,11 @@
           <a:lstStyle/>
           <a:p>
             <a:fld id="{D57F1E4F-1CFF-5643-939E-217C01CDF565}" type="slidenum">
-              <a:rPr lang="en-US" dirty="0"/>
+              <a:rPr lang="en-US"/>
               <a:pPr/>
               <a:t>‹#›</a:t>
             </a:fld>
-            <a:endParaRPr lang="en-US" dirty="0"/>
+            <a:endParaRPr lang="en-US"/>
           </a:p>
         </p:txBody>
       </p:sp>
@@ -4019,11 +4031,11 @@
           <a:lstStyle/>
           <a:p>
             <a:fld id="{B61BEF0D-F0BB-DE4B-95CE-6DB70DBA9567}" type="datetimeFigureOut">
-              <a:rPr lang="en-US" dirty="0"/>
+              <a:rPr lang="en-US"/>
               <a:pPr/>
-              <a:t>9/4/2017</a:t>
+              <a:t>9/11/2017</a:t>
             </a:fld>
-            <a:endParaRPr lang="en-US" dirty="0"/>
+            <a:endParaRPr lang="en-US"/>
           </a:p>
         </p:txBody>
       </p:sp>
@@ -4042,7 +4054,7 @@
           <a:bodyPr/>
           <a:lstStyle/>
           <a:p>
-            <a:endParaRPr lang="en-US" dirty="0"/>
+            <a:endParaRPr lang="en-US"/>
           </a:p>
         </p:txBody>
       </p:sp>
@@ -4062,11 +4074,11 @@
           <a:lstStyle/>
           <a:p>
             <a:fld id="{D57F1E4F-1CFF-5643-939E-217C01CDF565}" type="slidenum">
-              <a:rPr lang="en-US" dirty="0"/>
+              <a:rPr lang="en-US"/>
               <a:pPr/>
               <a:t>‹#›</a:t>
             </a:fld>
-            <a:endParaRPr lang="en-US" dirty="0"/>
+            <a:endParaRPr lang="en-US"/>
           </a:p>
         </p:txBody>
       </p:sp>
@@ -4271,10 +4283,10 @@
           <a:lstStyle/>
           <a:p>
             <a:fld id="{42A54C80-263E-416B-A8E0-580EDEADCBDC}" type="datetimeFigureOut">
-              <a:rPr lang="en-US" dirty="0"/>
-              <a:t>9/4/2017</a:t>
+              <a:rPr lang="en-US"/>
+              <a:t>9/11/2017</a:t>
             </a:fld>
-            <a:endParaRPr lang="en-US" dirty="0"/>
+            <a:endParaRPr lang="en-US"/>
           </a:p>
         </p:txBody>
       </p:sp>
@@ -4293,7 +4305,7 @@
           <a:bodyPr/>
           <a:lstStyle/>
           <a:p>
-            <a:endParaRPr lang="en-US" dirty="0"/>
+            <a:endParaRPr lang="en-US"/>
           </a:p>
         </p:txBody>
       </p:sp>
@@ -4313,10 +4325,10 @@
           <a:lstStyle/>
           <a:p>
             <a:fld id="{519954A3-9DFD-4C44-94BA-B95130A3BA1C}" type="slidenum">
-              <a:rPr lang="en-US" dirty="0"/>
+              <a:rPr lang="en-US"/>
               <a:t>‹#›</a:t>
             </a:fld>
-            <a:endParaRPr lang="en-US" dirty="0"/>
+            <a:endParaRPr lang="en-US"/>
           </a:p>
         </p:txBody>
       </p:sp>
@@ -4442,7 +4454,6 @@
               <a:rPr lang="en-US"/>
               <a:t>Click icon to add picture</a:t>
             </a:r>
-            <a:endParaRPr lang="en-US" dirty="0"/>
           </a:p>
         </p:txBody>
       </p:sp>
@@ -4529,11 +4540,11 @@
           <a:lstStyle/>
           <a:p>
             <a:fld id="{B61BEF0D-F0BB-DE4B-95CE-6DB70DBA9567}" type="datetimeFigureOut">
-              <a:rPr lang="en-US" dirty="0"/>
+              <a:rPr lang="en-US"/>
               <a:pPr/>
-              <a:t>9/4/2017</a:t>
+              <a:t>9/11/2017</a:t>
             </a:fld>
-            <a:endParaRPr lang="en-US" dirty="0"/>
+            <a:endParaRPr lang="en-US"/>
           </a:p>
         </p:txBody>
       </p:sp>
@@ -4552,7 +4563,7 @@
           <a:bodyPr/>
           <a:lstStyle/>
           <a:p>
-            <a:endParaRPr lang="en-US" dirty="0"/>
+            <a:endParaRPr lang="en-US"/>
           </a:p>
         </p:txBody>
       </p:sp>
@@ -4572,11 +4583,11 @@
           <a:lstStyle/>
           <a:p>
             <a:fld id="{D57F1E4F-1CFF-5643-939E-217C01CDF565}" type="slidenum">
-              <a:rPr lang="en-US" dirty="0"/>
+              <a:rPr lang="en-US"/>
               <a:pPr/>
               <a:t>‹#›</a:t>
             </a:fld>
-            <a:endParaRPr lang="en-US" dirty="0"/>
+            <a:endParaRPr lang="en-US"/>
           </a:p>
         </p:txBody>
       </p:sp>
@@ -5269,11 +5280,11 @@
           </a:lstStyle>
           <a:p>
             <a:fld id="{B61BEF0D-F0BB-DE4B-95CE-6DB70DBA9567}" type="datetimeFigureOut">
-              <a:rPr lang="en-US" dirty="0"/>
+              <a:rPr lang="en-US"/>
               <a:pPr/>
-              <a:t>9/4/2017</a:t>
+              <a:t>9/11/2017</a:t>
             </a:fld>
-            <a:endParaRPr lang="en-US" dirty="0"/>
+            <a:endParaRPr lang="en-US"/>
           </a:p>
         </p:txBody>
       </p:sp>
@@ -5310,7 +5321,7 @@
             </a:lvl1pPr>
           </a:lstStyle>
           <a:p>
-            <a:endParaRPr lang="en-US" dirty="0"/>
+            <a:endParaRPr lang="en-US"/>
           </a:p>
         </p:txBody>
       </p:sp>
@@ -5346,11 +5357,11 @@
           </a:lstStyle>
           <a:p>
             <a:fld id="{D57F1E4F-1CFF-5643-939E-217C01CDF565}" type="slidenum">
-              <a:rPr lang="en-US" dirty="0"/>
+              <a:rPr lang="en-US"/>
               <a:pPr/>
               <a:t>‹#›</a:t>
             </a:fld>
-            <a:endParaRPr lang="en-US" dirty="0"/>
+            <a:endParaRPr lang="en-US"/>
           </a:p>
         </p:txBody>
       </p:sp>
@@ -6131,7 +6142,7 @@
           <a:lstStyle/>
           <a:p>
             <a:r>
-              <a:rPr lang="en-US" dirty="0"/>
+              <a:rPr lang="en-US"/>
               <a:t>Intro to C++</a:t>
             </a:r>
           </a:p>
@@ -6167,13 +6178,21 @@
           <a:p>
             <a:r>
               <a:rPr lang="en-US"/>
-              <a:t>Session - 1</a:t>
-            </a:r>
-          </a:p>
-          <a:p>
-            <a:r>
-              <a:rPr lang="en-US"/>
-              <a:t>BCHS Jagbots - Team 6518</a:t>
+              <a:t>Session - 2</a:t>
+            </a:r>
+          </a:p>
+          <a:p>
+            <a:r>
+              <a:rPr lang="en-US"/>
+              <a:t>BCHS </a:t>
+            </a:r>
+            <a:r>
+              <a:rPr lang="en-US" err="1"/>
+              <a:t>Jagbots</a:t>
+            </a:r>
+            <a:r>
+              <a:rPr lang="en-US"/>
+              <a:t> - Team 6518</a:t>
             </a:r>
           </a:p>
         </p:txBody>
@@ -6230,7 +6249,7 @@
           <a:lstStyle/>
           <a:p>
             <a:r>
-              <a:rPr lang="en-US" dirty="0"/>
+              <a:rPr lang="en-US"/>
               <a:t>Assignment</a:t>
             </a:r>
           </a:p>
@@ -6258,51 +6277,51 @@
           <a:lstStyle/>
           <a:p>
             <a:r>
-              <a:rPr lang="en-US" dirty="0"/>
+              <a:rPr lang="en-US"/>
               <a:t>Stores a new value</a:t>
             </a:r>
           </a:p>
           <a:p>
             <a:r>
-              <a:rPr lang="en-US" dirty="0"/>
+              <a:rPr lang="en-US"/>
               <a:t>Replaces the previous value</a:t>
             </a:r>
           </a:p>
           <a:p>
             <a:r>
-              <a:rPr lang="en-US" dirty="0"/>
+              <a:rPr lang="en-US"/>
               <a:t>‘=‘ is used for assignment</a:t>
             </a:r>
           </a:p>
           <a:p>
             <a:pPr lvl="1"/>
             <a:r>
-              <a:rPr lang="en-US" dirty="0"/>
+              <a:rPr lang="en-US"/>
               <a:t>Does that denote arithmetic equality?</a:t>
             </a:r>
           </a:p>
           <a:p>
             <a:pPr lvl="1"/>
             <a:r>
-              <a:rPr lang="en-US" dirty="0"/>
+              <a:rPr lang="en-US"/>
               <a:t>How about algebraic?</a:t>
             </a:r>
           </a:p>
           <a:p>
             <a:r>
-              <a:rPr lang="en-US" dirty="0"/>
+              <a:rPr lang="en-US"/>
               <a:t>double total = 0;</a:t>
             </a:r>
           </a:p>
           <a:p>
             <a:r>
-              <a:rPr lang="en-US" dirty="0"/>
+              <a:rPr lang="en-US"/>
               <a:t>total = bottles * 2 ;</a:t>
             </a:r>
           </a:p>
           <a:p>
             <a:r>
-              <a:rPr lang="en-US" dirty="0"/>
+              <a:rPr lang="en-US"/>
               <a:t>total = total + cans * 12; </a:t>
             </a:r>
           </a:p>
@@ -6360,7 +6379,7 @@
           <a:lstStyle/>
           <a:p>
             <a:r>
-              <a:rPr lang="en-US" dirty="0"/>
+              <a:rPr lang="en-US"/>
               <a:t>Constants &amp; Comments</a:t>
             </a:r>
           </a:p>
@@ -6390,152 +6409,152 @@
           <a:lstStyle/>
           <a:p>
             <a:r>
-              <a:rPr lang="en-US" dirty="0"/>
+              <a:rPr lang="en-US"/>
               <a:t>Constants make the code easier to read:</a:t>
             </a:r>
           </a:p>
           <a:p>
             <a:r>
-              <a:rPr lang="en-US" dirty="0"/>
+              <a:rPr lang="en-US"/>
               <a:t>Prepend the keyword “</a:t>
             </a:r>
             <a:r>
-              <a:rPr lang="en-US" dirty="0" err="1"/>
+              <a:rPr lang="en-US" err="1"/>
               <a:t>const</a:t>
             </a:r>
             <a:r>
-              <a:rPr lang="en-US" dirty="0"/>
+              <a:rPr lang="en-US"/>
               <a:t>”</a:t>
             </a:r>
           </a:p>
           <a:p>
             <a:r>
-              <a:rPr lang="en-US" dirty="0" err="1"/>
+              <a:rPr lang="en-US" err="1"/>
               <a:t>const</a:t>
             </a:r>
             <a:r>
-              <a:rPr lang="en-US" dirty="0"/>
+              <a:rPr lang="en-US"/>
               <a:t> </a:t>
             </a:r>
             <a:r>
-              <a:rPr lang="en-US" dirty="0" err="1"/>
+              <a:rPr lang="en-US" err="1"/>
               <a:t>int</a:t>
             </a:r>
             <a:r>
-              <a:rPr lang="en-US" dirty="0"/>
+              <a:rPr lang="en-US"/>
               <a:t> BOTTLE_SIZE = 2;</a:t>
             </a:r>
           </a:p>
           <a:p>
             <a:r>
-              <a:rPr lang="en-US" dirty="0"/>
+              <a:rPr lang="en-US"/>
               <a:t>total = bottles * BOTTLE_SIZE ;</a:t>
             </a:r>
           </a:p>
           <a:p>
             <a:r>
-              <a:rPr lang="en-US" dirty="0"/>
+              <a:rPr lang="en-US"/>
               <a:t>Best practices: Use caps, define in separate header files</a:t>
             </a:r>
           </a:p>
           <a:p>
-            <a:endParaRPr lang="en-US" dirty="0"/>
-          </a:p>
-          <a:p>
-            <a:r>
-              <a:rPr lang="en-US" dirty="0"/>
+            <a:endParaRPr lang="en-US"/>
+          </a:p>
+          <a:p>
+            <a:r>
+              <a:rPr lang="en-US"/>
               <a:t>Use comments to explain your code</a:t>
             </a:r>
           </a:p>
           <a:p>
             <a:pPr lvl="1"/>
             <a:r>
-              <a:rPr lang="en-US" dirty="0"/>
+              <a:rPr lang="en-US"/>
               <a:t>For other humans</a:t>
             </a:r>
           </a:p>
           <a:p>
             <a:pPr lvl="1"/>
             <a:r>
-              <a:rPr lang="en-US" dirty="0"/>
+              <a:rPr lang="en-US"/>
               <a:t>For yourself</a:t>
             </a:r>
           </a:p>
           <a:p>
             <a:r>
-              <a:rPr lang="en-US" dirty="0"/>
+              <a:rPr lang="en-US"/>
               <a:t>Comments can be:</a:t>
             </a:r>
           </a:p>
           <a:p>
             <a:pPr lvl="1"/>
             <a:r>
-              <a:rPr lang="en-US" dirty="0"/>
+              <a:rPr lang="en-US"/>
               <a:t>Single line: //</a:t>
             </a:r>
           </a:p>
           <a:p>
             <a:pPr lvl="1"/>
             <a:r>
-              <a:rPr lang="en-US" dirty="0"/>
+              <a:rPr lang="en-US"/>
               <a:t>Multi line or C Style /* … */</a:t>
             </a:r>
           </a:p>
           <a:p>
             <a:r>
-              <a:rPr lang="en-US" dirty="0" err="1"/>
+              <a:rPr lang="en-US" err="1"/>
               <a:t>const</a:t>
             </a:r>
             <a:r>
-              <a:rPr lang="en-US" dirty="0"/>
+              <a:rPr lang="en-US"/>
               <a:t> double CAN_SIZE = 0.355; // </a:t>
             </a:r>
             <a:r>
-              <a:rPr lang="en-US" dirty="0" err="1"/>
+              <a:rPr lang="en-US" err="1"/>
               <a:t>Ltrs</a:t>
             </a:r>
             <a:r>
-              <a:rPr lang="en-US" dirty="0"/>
+              <a:rPr lang="en-US"/>
               <a:t> in a 12 </a:t>
             </a:r>
             <a:r>
-              <a:rPr lang="en-US" dirty="0" err="1"/>
+              <a:rPr lang="en-US" err="1"/>
               <a:t>oz</a:t>
             </a:r>
             <a:r>
-              <a:rPr lang="en-US" dirty="0"/>
+              <a:rPr lang="en-US"/>
               <a:t> can</a:t>
             </a:r>
           </a:p>
           <a:p>
             <a:r>
-              <a:rPr lang="en-US" dirty="0" err="1"/>
+              <a:rPr lang="en-US" err="1"/>
               <a:t>int</a:t>
             </a:r>
             <a:r>
-              <a:rPr lang="en-US" dirty="0"/>
+              <a:rPr lang="en-US"/>
               <a:t> </a:t>
             </a:r>
             <a:r>
-              <a:rPr lang="en-US" dirty="0" err="1"/>
+              <a:rPr lang="en-US" err="1"/>
               <a:t>i</a:t>
             </a:r>
             <a:r>
-              <a:rPr lang="en-US" dirty="0"/>
+              <a:rPr lang="en-US"/>
               <a:t> = 7; /* Lucky number! //</a:t>
             </a:r>
           </a:p>
           <a:p>
-            <a:endParaRPr lang="en-US" dirty="0"/>
-          </a:p>
-          <a:p>
-            <a:endParaRPr lang="en-US" dirty="0"/>
-          </a:p>
-          <a:p>
-            <a:endParaRPr lang="en-US" dirty="0"/>
-          </a:p>
-          <a:p>
-            <a:endParaRPr lang="en-US" dirty="0"/>
+            <a:endParaRPr lang="en-US"/>
+          </a:p>
+          <a:p>
+            <a:endParaRPr lang="en-US"/>
+          </a:p>
+          <a:p>
+            <a:endParaRPr lang="en-US"/>
+          </a:p>
+          <a:p>
+            <a:endParaRPr lang="en-US"/>
           </a:p>
         </p:txBody>
       </p:sp>
@@ -6591,7 +6610,7 @@
           <a:lstStyle/>
           <a:p>
             <a:r>
-              <a:rPr lang="en-US" dirty="0"/>
+              <a:rPr lang="en-US"/>
               <a:t>Problems:</a:t>
             </a:r>
           </a:p>
@@ -6619,51 +6638,51 @@
           <a:lstStyle/>
           <a:p>
             <a:r>
-              <a:rPr lang="en-US" dirty="0"/>
+              <a:rPr lang="en-US"/>
               <a:t>Variable for # of chips in a bag</a:t>
             </a:r>
           </a:p>
           <a:p>
             <a:r>
-              <a:rPr lang="en-US" dirty="0"/>
+              <a:rPr lang="en-US"/>
               <a:t>Price per bag, and # of bags purchased</a:t>
             </a:r>
           </a:p>
           <a:p>
             <a:r>
-              <a:rPr lang="en-US" dirty="0"/>
+              <a:rPr lang="en-US"/>
               <a:t>Total purchase price</a:t>
             </a:r>
           </a:p>
           <a:p>
             <a:r>
-              <a:rPr lang="en-US" dirty="0"/>
+              <a:rPr lang="en-US"/>
               <a:t>Price per chip</a:t>
             </a:r>
           </a:p>
           <a:p>
             <a:r>
-              <a:rPr lang="en-US" dirty="0"/>
+              <a:rPr lang="en-US"/>
               <a:t>Can total purchase price be a </a:t>
             </a:r>
             <a:r>
-              <a:rPr lang="en-US" dirty="0" err="1"/>
+              <a:rPr lang="en-US" err="1"/>
               <a:t>const</a:t>
             </a:r>
             <a:r>
-              <a:rPr lang="en-US" dirty="0"/>
+              <a:rPr lang="en-US"/>
               <a:t>?</a:t>
             </a:r>
           </a:p>
           <a:p>
             <a:pPr lvl="1"/>
-            <a:endParaRPr lang="en-US" dirty="0"/>
-          </a:p>
-          <a:p>
-            <a:endParaRPr lang="en-US" dirty="0"/>
-          </a:p>
-          <a:p>
-            <a:endParaRPr lang="en-US" dirty="0"/>
+            <a:endParaRPr lang="en-US"/>
+          </a:p>
+          <a:p>
+            <a:endParaRPr lang="en-US"/>
+          </a:p>
+          <a:p>
+            <a:endParaRPr lang="en-US"/>
           </a:p>
         </p:txBody>
       </p:sp>
@@ -6719,10 +6738,10 @@
           <a:lstStyle/>
           <a:p>
             <a:r>
-              <a:rPr lang="en-US" dirty="0" err="1"/>
+              <a:rPr lang="en-US" err="1"/>
               <a:t>Watchouts</a:t>
             </a:r>
-            <a:endParaRPr lang="en-US" dirty="0"/>
+            <a:endParaRPr lang="en-US"/>
           </a:p>
         </p:txBody>
       </p:sp>
@@ -6748,48 +6767,48 @@
           <a:lstStyle/>
           <a:p>
             <a:r>
-              <a:rPr lang="en-US" dirty="0" err="1"/>
+              <a:rPr lang="en-US" err="1"/>
               <a:t>Watchout</a:t>
             </a:r>
             <a:r>
-              <a:rPr lang="en-US" dirty="0"/>
+              <a:rPr lang="en-US"/>
               <a:t>:</a:t>
             </a:r>
           </a:p>
           <a:p>
             <a:pPr lvl="1"/>
             <a:r>
-              <a:rPr lang="en-US" dirty="0"/>
+              <a:rPr lang="en-US"/>
               <a:t>Define variables before use</a:t>
             </a:r>
           </a:p>
           <a:p>
             <a:pPr lvl="1"/>
             <a:r>
-              <a:rPr lang="en-US" dirty="0"/>
+              <a:rPr lang="en-US"/>
               <a:t>Always initialize variables</a:t>
             </a:r>
           </a:p>
           <a:p>
             <a:pPr lvl="1"/>
             <a:r>
-              <a:rPr lang="en-US" dirty="0"/>
+              <a:rPr lang="en-US"/>
               <a:t>Choose descriptive names</a:t>
             </a:r>
           </a:p>
           <a:p>
             <a:pPr lvl="1"/>
             <a:r>
-              <a:rPr lang="en-US" dirty="0"/>
+              <a:rPr lang="en-US"/>
               <a:t>Do not use magic numbers</a:t>
             </a:r>
           </a:p>
           <a:p>
             <a:pPr lvl="1"/>
-            <a:endParaRPr lang="en-US" dirty="0"/>
-          </a:p>
-          <a:p>
-            <a:endParaRPr lang="en-US" dirty="0"/>
+            <a:endParaRPr lang="en-US"/>
+          </a:p>
+          <a:p>
+            <a:endParaRPr lang="en-US"/>
           </a:p>
         </p:txBody>
       </p:sp>
@@ -6845,7 +6864,7 @@
           <a:lstStyle/>
           <a:p>
             <a:r>
-              <a:rPr lang="en-US" dirty="0"/>
+              <a:rPr lang="en-US"/>
               <a:t>Basic Data Types</a:t>
             </a:r>
           </a:p>
@@ -6873,76 +6892,76 @@
           <a:lstStyle/>
           <a:p>
             <a:r>
-              <a:rPr lang="en-US" dirty="0">
+              <a:rPr lang="en-US">
                 <a:hlinkClick r:id="rId2"/>
               </a:rPr>
               <a:t>http://en.cppreference.com/w/cpp/language/types</a:t>
             </a:r>
-            <a:endParaRPr lang="en-US" dirty="0"/>
-          </a:p>
-          <a:p>
-            <a:r>
-              <a:rPr lang="en-US" dirty="0"/>
+            <a:endParaRPr lang="en-US"/>
+          </a:p>
+          <a:p>
+            <a:r>
+              <a:rPr lang="en-US"/>
               <a:t>Precision:</a:t>
             </a:r>
           </a:p>
           <a:p>
             <a:r>
-              <a:rPr lang="en-US" dirty="0"/>
+              <a:rPr lang="en-US"/>
               <a:t>What does this print:</a:t>
             </a:r>
           </a:p>
           <a:p>
             <a:pPr lvl="1"/>
             <a:r>
-              <a:rPr lang="en-US" dirty="0" err="1"/>
+              <a:rPr lang="en-US" err="1"/>
               <a:t>int</a:t>
             </a:r>
             <a:r>
-              <a:rPr lang="en-US" dirty="0"/>
+              <a:rPr lang="en-US"/>
               <a:t> </a:t>
             </a:r>
             <a:r>
-              <a:rPr lang="en-US" dirty="0" err="1"/>
+              <a:rPr lang="en-US" err="1"/>
               <a:t>one_billion</a:t>
             </a:r>
             <a:r>
-              <a:rPr lang="en-US" dirty="0"/>
+              <a:rPr lang="en-US"/>
               <a:t> = 1000000000;</a:t>
             </a:r>
           </a:p>
           <a:p>
             <a:pPr lvl="1"/>
             <a:r>
-              <a:rPr lang="en-US" dirty="0" err="1"/>
+              <a:rPr lang="en-US" err="1"/>
               <a:t>cout</a:t>
             </a:r>
             <a:r>
-              <a:rPr lang="en-US" dirty="0"/>
+              <a:rPr lang="en-US"/>
               <a:t> &lt;&lt; 3 * </a:t>
             </a:r>
             <a:r>
-              <a:rPr lang="en-US" dirty="0" err="1"/>
+              <a:rPr lang="en-US" err="1"/>
               <a:t>one_billion</a:t>
             </a:r>
             <a:r>
-              <a:rPr lang="en-US" dirty="0"/>
+              <a:rPr lang="en-US"/>
               <a:t> &lt;&lt; </a:t>
             </a:r>
             <a:r>
-              <a:rPr lang="en-US" dirty="0" err="1"/>
+              <a:rPr lang="en-US" err="1"/>
               <a:t>endl</a:t>
             </a:r>
             <a:r>
-              <a:rPr lang="en-US" dirty="0"/>
+              <a:rPr lang="en-US"/>
               <a:t>;</a:t>
             </a:r>
           </a:p>
           <a:p>
-            <a:endParaRPr lang="en-US" dirty="0"/>
-          </a:p>
-          <a:p>
-            <a:endParaRPr lang="en-US" dirty="0"/>
+            <a:endParaRPr lang="en-US"/>
+          </a:p>
+          <a:p>
+            <a:endParaRPr lang="en-US"/>
           </a:p>
         </p:txBody>
       </p:sp>
@@ -6998,7 +7017,7 @@
           <a:lstStyle/>
           <a:p>
             <a:r>
-              <a:rPr lang="en-US" dirty="0"/>
+              <a:rPr lang="en-US"/>
               <a:t>Operators</a:t>
             </a:r>
           </a:p>
@@ -7026,54 +7045,54 @@
           <a:lstStyle/>
           <a:p>
             <a:r>
-              <a:rPr lang="en-US" dirty="0"/>
+              <a:rPr lang="en-US"/>
               <a:t>+, -, *, /</a:t>
             </a:r>
           </a:p>
           <a:p>
             <a:r>
-              <a:rPr lang="en-US" dirty="0"/>
+              <a:rPr lang="en-US"/>
               <a:t>()</a:t>
             </a:r>
           </a:p>
           <a:p>
             <a:r>
-              <a:rPr lang="en-US" dirty="0"/>
+              <a:rPr lang="en-US"/>
               <a:t>Increments and decrements: ++c, </a:t>
             </a:r>
             <a:r>
-              <a:rPr lang="en-US" dirty="0" err="1"/>
+              <a:rPr lang="en-US" err="1"/>
               <a:t>c++</a:t>
             </a:r>
             <a:r>
-              <a:rPr lang="en-US" dirty="0"/>
+              <a:rPr lang="en-US"/>
               <a:t>, --c, c—</a:t>
             </a:r>
           </a:p>
           <a:p>
             <a:r>
-              <a:rPr lang="en-US" dirty="0"/>
+              <a:rPr lang="en-US"/>
               <a:t>What is 9/4?</a:t>
             </a:r>
           </a:p>
           <a:p>
             <a:pPr lvl="1"/>
             <a:r>
-              <a:rPr lang="en-US" dirty="0"/>
+              <a:rPr lang="en-US"/>
               <a:t>Depends on type</a:t>
             </a:r>
           </a:p>
           <a:p>
             <a:pPr lvl="2"/>
             <a:r>
-              <a:rPr lang="en-US" dirty="0"/>
+              <a:rPr lang="en-US"/>
               <a:t>If both are integers – 2. Remainder is discarded</a:t>
             </a:r>
           </a:p>
           <a:p>
             <a:pPr lvl="1"/>
             <a:r>
-              <a:rPr lang="en-US" dirty="0"/>
+              <a:rPr lang="en-US"/>
               <a:t>Modulus operator - % - gives you the remainder</a:t>
             </a:r>
           </a:p>
@@ -7081,11 +7100,11 @@
             <a:pPr marL="0" indent="0">
               <a:buNone/>
             </a:pPr>
-            <a:endParaRPr lang="en-US" dirty="0"/>
+            <a:endParaRPr lang="en-US"/>
           </a:p>
           <a:p>
             <a:pPr lvl="2"/>
-            <a:endParaRPr lang="en-US" dirty="0"/>
+            <a:endParaRPr lang="en-US"/>
           </a:p>
         </p:txBody>
       </p:sp>
@@ -7141,7 +7160,7 @@
           <a:lstStyle/>
           <a:p>
             <a:r>
-              <a:rPr lang="en-US" dirty="0"/>
+              <a:rPr lang="en-US"/>
               <a:t>Conversions:</a:t>
             </a:r>
           </a:p>
@@ -7169,40 +7188,40 @@
           <a:lstStyle/>
           <a:p>
             <a:r>
-              <a:rPr lang="en-US" dirty="0"/>
+              <a:rPr lang="en-US"/>
               <a:t>double d = 6.74</a:t>
             </a:r>
           </a:p>
           <a:p>
             <a:r>
-              <a:rPr lang="en-US" dirty="0" err="1"/>
+              <a:rPr lang="en-US" err="1"/>
               <a:t>int</a:t>
             </a:r>
             <a:r>
-              <a:rPr lang="en-US" dirty="0"/>
+              <a:rPr lang="en-US"/>
               <a:t> I = d;</a:t>
             </a:r>
           </a:p>
           <a:p>
             <a:r>
-              <a:rPr lang="en-US" dirty="0"/>
+              <a:rPr lang="en-US"/>
               <a:t>Value of I?</a:t>
             </a:r>
           </a:p>
           <a:p>
             <a:r>
-              <a:rPr lang="en-US" dirty="0"/>
+              <a:rPr lang="en-US"/>
               <a:t>How do you round off instead of discard the remainder?</a:t>
             </a:r>
           </a:p>
           <a:p>
             <a:pPr lvl="1"/>
             <a:r>
-              <a:rPr lang="en-US" dirty="0"/>
+              <a:rPr lang="en-US"/>
               <a:t>Add 0.5 </a:t>
             </a:r>
             <a:r>
-              <a:rPr lang="en-US" dirty="0">
+              <a:rPr lang="en-US">
                 <a:sym typeface="Wingdings" panose="05000000000000000000" pitchFamily="2" charset="2"/>
               </a:rPr>
               <a:t></a:t>
@@ -7210,7 +7229,7 @@
           </a:p>
           <a:p>
             <a:pPr lvl="1"/>
-            <a:endParaRPr lang="en-US" dirty="0"/>
+            <a:endParaRPr lang="en-US"/>
           </a:p>
         </p:txBody>
       </p:sp>
@@ -7266,7 +7285,7 @@
           <a:lstStyle/>
           <a:p>
             <a:r>
-              <a:rPr lang="en-US" dirty="0"/>
+              <a:rPr lang="en-US"/>
               <a:t>Math</a:t>
             </a:r>
           </a:p>
@@ -7299,24 +7318,24 @@
           <a:lstStyle/>
           <a:p>
             <a:r>
-              <a:rPr lang="en-US" dirty="0"/>
+              <a:rPr lang="en-US"/>
               <a:t>Square Root – sqrt(x)</a:t>
             </a:r>
           </a:p>
           <a:p>
             <a:r>
-              <a:rPr lang="en-US" dirty="0"/>
+              <a:rPr lang="en-US"/>
               <a:t>Power – pow(x, n)</a:t>
             </a:r>
           </a:p>
           <a:p>
             <a:r>
-              <a:rPr lang="en-US" dirty="0"/>
+              <a:rPr lang="en-US"/>
               <a:t>Write the following expressions in valid C++</a:t>
             </a:r>
           </a:p>
           <a:p>
-            <a:endParaRPr lang="en-US" dirty="0"/>
+            <a:endParaRPr lang="en-US"/>
           </a:p>
         </p:txBody>
       </p:sp>
@@ -7335,7 +7354,7 @@
           <p:nvPr/>
         </p:nvPicPr>
         <p:blipFill>
-          <a:blip r:embed="rId3">
+          <a:blip r:embed="rId2">
             <a:extLst>
               <a:ext uri="{28A0092B-C50C-407E-A947-70E740481C1C}">
                 <a14:useLocalDpi xmlns:a14="http://schemas.microsoft.com/office/drawing/2010/main" val="0"/>
@@ -7382,7 +7401,7 @@
           <p:nvPr/>
         </p:nvPicPr>
         <p:blipFill>
-          <a:blip r:embed="rId4">
+          <a:blip r:embed="rId3">
             <a:extLst>
               <a:ext uri="{28A0092B-C50C-407E-A947-70E740481C1C}">
                 <a14:useLocalDpi xmlns:a14="http://schemas.microsoft.com/office/drawing/2010/main" val="0"/>
@@ -7429,7 +7448,7 @@
           <p:nvPr/>
         </p:nvPicPr>
         <p:blipFill>
-          <a:blip r:embed="rId5">
+          <a:blip r:embed="rId4">
             <a:extLst>
               <a:ext uri="{28A0092B-C50C-407E-A947-70E740481C1C}">
                 <a14:useLocalDpi xmlns:a14="http://schemas.microsoft.com/office/drawing/2010/main" val="0"/>
@@ -7476,7 +7495,7 @@
           <p:nvPr/>
         </p:nvPicPr>
         <p:blipFill>
-          <a:blip r:embed="rId6">
+          <a:blip r:embed="rId5">
             <a:extLst>
               <a:ext uri="{28A0092B-C50C-407E-A947-70E740481C1C}">
                 <a14:useLocalDpi xmlns:a14="http://schemas.microsoft.com/office/drawing/2010/main" val="0"/>
@@ -7836,7 +7855,7 @@
           <p:nvPr/>
         </p:nvPicPr>
         <p:blipFill>
-          <a:blip r:embed="rId7">
+          <a:blip r:embed="rId6">
             <a:extLst>
               <a:ext uri="{28A0092B-C50C-407E-A947-70E740481C1C}">
                 <a14:useLocalDpi xmlns:a14="http://schemas.microsoft.com/office/drawing/2010/main" val="0"/>
@@ -7920,7 +7939,7 @@
           <a:lstStyle/>
           <a:p>
             <a:r>
-              <a:rPr lang="en-US" dirty="0"/>
+              <a:rPr lang="en-US"/>
               <a:t>Problems</a:t>
             </a:r>
           </a:p>
@@ -7948,27 +7967,27 @@
           <a:lstStyle/>
           <a:p>
             <a:r>
-              <a:rPr lang="en-US" dirty="0"/>
+              <a:rPr lang="en-US"/>
               <a:t>Value of 1368 / 10, and 1368 % 10?</a:t>
             </a:r>
           </a:p>
           <a:p>
-            <a:endParaRPr lang="en-US" dirty="0"/>
-          </a:p>
-          <a:p>
-            <a:r>
-              <a:rPr lang="en-US" dirty="0"/>
+            <a:endParaRPr lang="en-US"/>
+          </a:p>
+          <a:p>
+            <a:r>
+              <a:rPr lang="en-US"/>
               <a:t>Given the interest rate and balance, write a program to calculate the interest earned in 3 years</a:t>
             </a:r>
           </a:p>
           <a:p>
             <a:r>
-              <a:rPr lang="en-US" dirty="0"/>
+              <a:rPr lang="en-US"/>
               <a:t>Given the area, find the side of a square</a:t>
             </a:r>
           </a:p>
           <a:p>
-            <a:endParaRPr lang="en-US" dirty="0"/>
+            <a:endParaRPr lang="en-US"/>
           </a:p>
         </p:txBody>
       </p:sp>
@@ -8024,7 +8043,7 @@
           <a:lstStyle/>
           <a:p>
             <a:r>
-              <a:rPr lang="en-US" dirty="0"/>
+              <a:rPr lang="en-US"/>
               <a:t>Common Errors</a:t>
             </a:r>
           </a:p>
@@ -8052,59 +8071,59 @@
           <a:lstStyle/>
           <a:p>
             <a:r>
-              <a:rPr lang="en-US" dirty="0"/>
+              <a:rPr lang="en-US"/>
               <a:t>Integer division:</a:t>
             </a:r>
           </a:p>
           <a:p>
             <a:pPr lvl="1"/>
             <a:r>
-              <a:rPr lang="en-US" dirty="0"/>
+              <a:rPr lang="en-US"/>
               <a:t>double </a:t>
             </a:r>
             <a:r>
-              <a:rPr lang="en-US" dirty="0" err="1"/>
+              <a:rPr lang="en-US" err="1"/>
               <a:t>avg</a:t>
             </a:r>
             <a:r>
-              <a:rPr lang="en-US" dirty="0"/>
+              <a:rPr lang="en-US"/>
               <a:t> = (10 + 11 + 12 + 13)/4</a:t>
             </a:r>
           </a:p>
           <a:p>
             <a:r>
-              <a:rPr lang="en-US" dirty="0"/>
+              <a:rPr lang="en-US"/>
               <a:t>Unbalanced parentheses</a:t>
             </a:r>
           </a:p>
           <a:p>
             <a:r>
-              <a:rPr lang="en-US" dirty="0"/>
+              <a:rPr lang="en-US"/>
               <a:t>Forgetting </a:t>
             </a:r>
             <a:r>
-              <a:rPr lang="en-US" dirty="0" err="1"/>
+              <a:rPr lang="en-US" err="1"/>
               <a:t>math.h</a:t>
             </a:r>
             <a:r>
-              <a:rPr lang="en-US" dirty="0"/>
+              <a:rPr lang="en-US"/>
               <a:t>, iostream, string and other header files</a:t>
             </a:r>
           </a:p>
           <a:p>
             <a:r>
-              <a:rPr lang="en-US" dirty="0"/>
+              <a:rPr lang="en-US"/>
               <a:t>Roundoff errors</a:t>
             </a:r>
           </a:p>
           <a:p>
             <a:r>
-              <a:rPr lang="en-US" dirty="0"/>
+              <a:rPr lang="en-US"/>
               <a:t>Use spaces to make code easier to read</a:t>
             </a:r>
           </a:p>
           <a:p>
-            <a:endParaRPr lang="en-US" dirty="0"/>
+            <a:endParaRPr lang="en-US"/>
           </a:p>
         </p:txBody>
       </p:sp>
@@ -8473,7 +8492,6 @@
               <a:rPr lang="en-US"/>
               <a:t>Topics</a:t>
             </a:r>
-            <a:endParaRPr lang="en-US" dirty="0"/>
           </a:p>
         </p:txBody>
       </p:sp>
@@ -8506,38 +8524,38 @@
           <a:lstStyle/>
           <a:p>
             <a:r>
-              <a:rPr lang="en-US" dirty="0"/>
+              <a:rPr lang="en-US"/>
               <a:t>Constants and variables</a:t>
             </a:r>
           </a:p>
           <a:p>
             <a:r>
-              <a:rPr lang="en-US" dirty="0"/>
+              <a:rPr lang="en-US"/>
               <a:t>Integers &amp; Floating point Numbers: </a:t>
             </a:r>
           </a:p>
           <a:p>
             <a:pPr lvl="1"/>
             <a:r>
-              <a:rPr lang="en-US" dirty="0"/>
+              <a:rPr lang="en-US"/>
               <a:t>Properties and challenges</a:t>
             </a:r>
           </a:p>
           <a:p>
             <a:r>
-              <a:rPr lang="en-US" dirty="0"/>
+              <a:rPr lang="en-US"/>
               <a:t>Arithmetic expressions and assignments</a:t>
             </a:r>
           </a:p>
           <a:p>
             <a:r>
-              <a:rPr lang="en-US" dirty="0"/>
+              <a:rPr lang="en-US"/>
               <a:t>REPLs (or at least REPs)</a:t>
             </a:r>
           </a:p>
           <a:p>
             <a:r>
-              <a:rPr lang="en-US" dirty="0"/>
+              <a:rPr lang="en-US"/>
               <a:t>Strings</a:t>
             </a:r>
           </a:p>
@@ -8578,6 +8596,1184 @@
           <p:cNvPr id="2" name="Title 1">
             <a:extLst>
               <a:ext uri="{FF2B5EF4-FFF2-40B4-BE49-F238E27FC236}">
+                <a16:creationId xmlns:a16="http://schemas.microsoft.com/office/drawing/2014/main" id="{B0FD43EB-AD6E-424B-B056-C69B9D164471}"/>
+              </a:ext>
+            </a:extLst>
+          </p:cNvPr>
+          <p:cNvSpPr>
+            <a:spLocks noGrp="1"/>
+          </p:cNvSpPr>
+          <p:nvPr>
+            <p:ph type="title"/>
+          </p:nvPr>
+        </p:nvSpPr>
+        <p:spPr/>
+        <p:txBody>
+          <a:bodyPr/>
+          <a:lstStyle/>
+          <a:p>
+            <a:r>
+              <a:rPr lang="en-US"/>
+              <a:t>Casting</a:t>
+            </a:r>
+          </a:p>
+        </p:txBody>
+      </p:sp>
+      <p:sp>
+        <p:nvSpPr>
+          <p:cNvPr id="3" name="Content Placeholder 2">
+            <a:extLst>
+              <a:ext uri="{FF2B5EF4-FFF2-40B4-BE49-F238E27FC236}">
+                <a16:creationId xmlns:a16="http://schemas.microsoft.com/office/drawing/2014/main" id="{26C09615-85BA-4962-9F5A-BF9EBC271389}"/>
+              </a:ext>
+            </a:extLst>
+          </p:cNvPr>
+          <p:cNvSpPr>
+            <a:spLocks noGrp="1"/>
+          </p:cNvSpPr>
+          <p:nvPr>
+            <p:ph idx="1"/>
+          </p:nvPr>
+        </p:nvSpPr>
+        <p:spPr/>
+        <p:txBody>
+          <a:bodyPr/>
+          <a:lstStyle/>
+          <a:p>
+            <a:r>
+              <a:rPr lang="en-US"/>
+              <a:t>Static Cast:</a:t>
+            </a:r>
+          </a:p>
+          <a:p>
+            <a:pPr lvl="1"/>
+            <a:r>
+              <a:rPr lang="en-US" err="1"/>
+              <a:t>int</a:t>
+            </a:r>
+            <a:r>
+              <a:rPr lang="en-US"/>
+              <a:t> </a:t>
+            </a:r>
+            <a:r>
+              <a:rPr lang="en-US" err="1"/>
+              <a:t>number_of_wheels</a:t>
+            </a:r>
+            <a:r>
+              <a:rPr lang="en-US"/>
+              <a:t> = </a:t>
+            </a:r>
+            <a:r>
+              <a:rPr lang="en-US" err="1"/>
+              <a:t>static_cast</a:t>
+            </a:r>
+            <a:r>
+              <a:rPr lang="en-US"/>
+              <a:t> &lt;</a:t>
+            </a:r>
+            <a:r>
+              <a:rPr lang="en-US" err="1"/>
+              <a:t>int</a:t>
+            </a:r>
+            <a:r>
+              <a:rPr lang="en-US"/>
+              <a:t>&gt; (4.00);</a:t>
+            </a:r>
+          </a:p>
+          <a:p>
+            <a:r>
+              <a:rPr lang="en-US"/>
+              <a:t>Dynamic and </a:t>
+            </a:r>
+            <a:r>
+              <a:rPr lang="en-US" err="1"/>
+              <a:t>Const</a:t>
+            </a:r>
+            <a:r>
+              <a:rPr lang="en-US"/>
+              <a:t> casts:</a:t>
+            </a:r>
+          </a:p>
+          <a:p>
+            <a:pPr lvl="1"/>
+            <a:r>
+              <a:rPr lang="en-US"/>
+              <a:t>Nor right now</a:t>
+            </a:r>
+          </a:p>
+          <a:p>
+            <a:r>
+              <a:rPr lang="en-US"/>
+              <a:t>Reinterpret Cast:</a:t>
+            </a:r>
+          </a:p>
+          <a:p>
+            <a:pPr lvl="1"/>
+            <a:r>
+              <a:rPr lang="en-US"/>
+              <a:t>Dangerous! (Not the same as bad – but close enough)</a:t>
+            </a:r>
+          </a:p>
+          <a:p>
+            <a:r>
+              <a:rPr lang="en-US"/>
+              <a:t>C or Java Style Cast:</a:t>
+            </a:r>
+          </a:p>
+          <a:p>
+            <a:pPr lvl="1"/>
+            <a:r>
+              <a:rPr lang="en-US"/>
+              <a:t>Use sparingly</a:t>
+            </a:r>
+          </a:p>
+          <a:p>
+            <a:pPr lvl="1"/>
+            <a:r>
+              <a:rPr lang="en-US" err="1"/>
+              <a:t>Const</a:t>
+            </a:r>
+            <a:r>
+              <a:rPr lang="en-US"/>
+              <a:t>, followed by static, followed by reinterpret</a:t>
+            </a:r>
+          </a:p>
+          <a:p>
+            <a:pPr lvl="1"/>
+            <a:endParaRPr lang="en-US"/>
+          </a:p>
+          <a:p>
+            <a:pPr lvl="1"/>
+            <a:endParaRPr lang="en-US"/>
+          </a:p>
+          <a:p>
+            <a:endParaRPr lang="en-US"/>
+          </a:p>
+        </p:txBody>
+      </p:sp>
+    </p:spTree>
+    <p:extLst>
+      <p:ext uri="{BB962C8B-B14F-4D97-AF65-F5344CB8AC3E}">
+        <p14:creationId xmlns:p14="http://schemas.microsoft.com/office/powerpoint/2010/main" val="790905017"/>
+      </p:ext>
+    </p:extLst>
+  </p:cSld>
+  <p:clrMapOvr>
+    <a:masterClrMapping/>
+  </p:clrMapOvr>
+</p:sld>
+</file>
+
+<file path=ppt/slides/slide21.xml><?xml version="1.0" encoding="utf-8"?>
+<p:sld xmlns:a="http://schemas.openxmlformats.org/drawingml/2006/main" xmlns:r="http://schemas.openxmlformats.org/officeDocument/2006/relationships" xmlns:p="http://schemas.openxmlformats.org/presentationml/2006/main">
+  <p:cSld>
+    <p:spTree>
+      <p:nvGrpSpPr>
+        <p:cNvPr id="1" name=""/>
+        <p:cNvGrpSpPr/>
+        <p:nvPr/>
+      </p:nvGrpSpPr>
+      <p:grpSpPr>
+        <a:xfrm>
+          <a:off x="0" y="0"/>
+          <a:ext cx="0" cy="0"/>
+          <a:chOff x="0" y="0"/>
+          <a:chExt cx="0" cy="0"/>
+        </a:xfrm>
+      </p:grpSpPr>
+      <p:sp>
+        <p:nvSpPr>
+          <p:cNvPr id="2" name="Title 1">
+            <a:extLst>
+              <a:ext uri="{FF2B5EF4-FFF2-40B4-BE49-F238E27FC236}">
+                <a16:creationId xmlns:a16="http://schemas.microsoft.com/office/drawing/2014/main" id="{D20F00A2-A16B-4F11-9277-D559AB494927}"/>
+              </a:ext>
+            </a:extLst>
+          </p:cNvPr>
+          <p:cNvSpPr>
+            <a:spLocks noGrp="1"/>
+          </p:cNvSpPr>
+          <p:nvPr>
+            <p:ph type="title"/>
+          </p:nvPr>
+        </p:nvSpPr>
+        <p:spPr/>
+        <p:txBody>
+          <a:bodyPr/>
+          <a:lstStyle/>
+          <a:p>
+            <a:r>
+              <a:rPr lang="en-US"/>
+              <a:t>C++ - Assignments and Arithmetic	</a:t>
+            </a:r>
+          </a:p>
+        </p:txBody>
+      </p:sp>
+      <p:sp>
+        <p:nvSpPr>
+          <p:cNvPr id="3" name="Content Placeholder 2">
+            <a:extLst>
+              <a:ext uri="{FF2B5EF4-FFF2-40B4-BE49-F238E27FC236}">
+                <a16:creationId xmlns:a16="http://schemas.microsoft.com/office/drawing/2014/main" id="{CA273C9D-B847-40C1-80D8-80101FCDDE94}"/>
+              </a:ext>
+            </a:extLst>
+          </p:cNvPr>
+          <p:cNvSpPr>
+            <a:spLocks noGrp="1"/>
+          </p:cNvSpPr>
+          <p:nvPr>
+            <p:ph idx="1"/>
+          </p:nvPr>
+        </p:nvSpPr>
+        <p:spPr/>
+        <p:txBody>
+          <a:bodyPr/>
+          <a:lstStyle/>
+          <a:p>
+            <a:r>
+              <a:rPr lang="en-US" err="1"/>
+              <a:t>int</a:t>
+            </a:r>
+            <a:r>
+              <a:rPr lang="en-US"/>
+              <a:t> total = 7;</a:t>
+            </a:r>
+          </a:p>
+          <a:p>
+            <a:r>
+              <a:rPr lang="en-US"/>
+              <a:t>total += 12;</a:t>
+            </a:r>
+          </a:p>
+          <a:p>
+            <a:r>
+              <a:rPr lang="en-US"/>
+              <a:t>total ++;</a:t>
+            </a:r>
+          </a:p>
+          <a:p>
+            <a:r>
+              <a:rPr lang="en-US"/>
+              <a:t>--total;</a:t>
+            </a:r>
+          </a:p>
+          <a:p>
+            <a:r>
+              <a:rPr lang="en-US"/>
+              <a:t>++total +- cans * 6;</a:t>
+            </a:r>
+          </a:p>
+          <a:p>
+            <a:endParaRPr lang="en-US"/>
+          </a:p>
+        </p:txBody>
+      </p:sp>
+    </p:spTree>
+    <p:extLst>
+      <p:ext uri="{BB962C8B-B14F-4D97-AF65-F5344CB8AC3E}">
+        <p14:creationId xmlns:p14="http://schemas.microsoft.com/office/powerpoint/2010/main" val="4179912863"/>
+      </p:ext>
+    </p:extLst>
+  </p:cSld>
+  <p:clrMapOvr>
+    <a:masterClrMapping/>
+  </p:clrMapOvr>
+</p:sld>
+</file>
+
+<file path=ppt/slides/slide22.xml><?xml version="1.0" encoding="utf-8"?>
+<p:sld xmlns:a="http://schemas.openxmlformats.org/drawingml/2006/main" xmlns:r="http://schemas.openxmlformats.org/officeDocument/2006/relationships" xmlns:p="http://schemas.openxmlformats.org/presentationml/2006/main">
+  <p:cSld>
+    <p:spTree>
+      <p:nvGrpSpPr>
+        <p:cNvPr id="1" name=""/>
+        <p:cNvGrpSpPr/>
+        <p:nvPr/>
+      </p:nvGrpSpPr>
+      <p:grpSpPr>
+        <a:xfrm>
+          <a:off x="0" y="0"/>
+          <a:ext cx="0" cy="0"/>
+          <a:chOff x="0" y="0"/>
+          <a:chExt cx="0" cy="0"/>
+        </a:xfrm>
+      </p:grpSpPr>
+      <p:sp>
+        <p:nvSpPr>
+          <p:cNvPr id="2" name="Title 1">
+            <a:extLst>
+              <a:ext uri="{FF2B5EF4-FFF2-40B4-BE49-F238E27FC236}">
+                <a16:creationId xmlns:a16="http://schemas.microsoft.com/office/drawing/2014/main" id="{7B51322D-9327-45D8-AFAF-7792DE677CC5}"/>
+              </a:ext>
+            </a:extLst>
+          </p:cNvPr>
+          <p:cNvSpPr>
+            <a:spLocks noGrp="1"/>
+          </p:cNvSpPr>
+          <p:nvPr>
+            <p:ph type="title"/>
+          </p:nvPr>
+        </p:nvSpPr>
+        <p:spPr/>
+        <p:txBody>
+          <a:bodyPr/>
+          <a:lstStyle/>
+          <a:p>
+            <a:r>
+              <a:rPr lang="en-US"/>
+              <a:t>Need Input?</a:t>
+            </a:r>
+          </a:p>
+        </p:txBody>
+      </p:sp>
+      <p:sp>
+        <p:nvSpPr>
+          <p:cNvPr id="3" name="Content Placeholder 2">
+            <a:extLst>
+              <a:ext uri="{FF2B5EF4-FFF2-40B4-BE49-F238E27FC236}">
+                <a16:creationId xmlns:a16="http://schemas.microsoft.com/office/drawing/2014/main" id="{83D68AC5-05C0-4723-8B8E-5F2557356D16}"/>
+              </a:ext>
+            </a:extLst>
+          </p:cNvPr>
+          <p:cNvSpPr>
+            <a:spLocks noGrp="1"/>
+          </p:cNvSpPr>
+          <p:nvPr>
+            <p:ph idx="1"/>
+          </p:nvPr>
+        </p:nvSpPr>
+        <p:spPr/>
+        <p:txBody>
+          <a:bodyPr/>
+          <a:lstStyle/>
+          <a:p>
+            <a:r>
+              <a:rPr lang="en-US"/>
+              <a:t>Always print a message describing what you are asking for</a:t>
+            </a:r>
+          </a:p>
+          <a:p>
+            <a:r>
+              <a:rPr lang="en-US"/>
+              <a:t>Two ways to read input:</a:t>
+            </a:r>
+          </a:p>
+          <a:p>
+            <a:pPr lvl="1"/>
+            <a:r>
+              <a:rPr lang="en-US"/>
+              <a:t>What are they?</a:t>
+            </a:r>
+          </a:p>
+          <a:p>
+            <a:pPr lvl="1"/>
+            <a:r>
+              <a:rPr lang="en-US"/>
+              <a:t>What’s the difference?</a:t>
+            </a:r>
+          </a:p>
+          <a:p>
+            <a:pPr lvl="1"/>
+            <a:r>
+              <a:rPr lang="en-US"/>
+              <a:t>When should you use each?</a:t>
+            </a:r>
+          </a:p>
+          <a:p>
+            <a:r>
+              <a:rPr lang="en-US"/>
+              <a:t>Whitespaces</a:t>
+            </a:r>
+          </a:p>
+          <a:p>
+            <a:r>
+              <a:rPr lang="en-US"/>
+              <a:t>Why does </a:t>
+            </a:r>
+            <a:r>
+              <a:rPr lang="en-US" err="1"/>
+              <a:t>cin</a:t>
+            </a:r>
+            <a:r>
+              <a:rPr lang="en-US"/>
+              <a:t> stop at the first whitespace?</a:t>
+            </a:r>
+          </a:p>
+          <a:p>
+            <a:r>
+              <a:rPr lang="en-US"/>
+              <a:t>Read more than one variable at a time</a:t>
+            </a:r>
+          </a:p>
+          <a:p>
+            <a:endParaRPr lang="en-US"/>
+          </a:p>
+          <a:p>
+            <a:pPr lvl="1"/>
+            <a:endParaRPr lang="en-US"/>
+          </a:p>
+        </p:txBody>
+      </p:sp>
+    </p:spTree>
+    <p:extLst>
+      <p:ext uri="{BB962C8B-B14F-4D97-AF65-F5344CB8AC3E}">
+        <p14:creationId xmlns:p14="http://schemas.microsoft.com/office/powerpoint/2010/main" val="319058185"/>
+      </p:ext>
+    </p:extLst>
+  </p:cSld>
+  <p:clrMapOvr>
+    <a:masterClrMapping/>
+  </p:clrMapOvr>
+</p:sld>
+</file>
+
+<file path=ppt/slides/slide23.xml><?xml version="1.0" encoding="utf-8"?>
+<p:sld xmlns:a="http://schemas.openxmlformats.org/drawingml/2006/main" xmlns:r="http://schemas.openxmlformats.org/officeDocument/2006/relationships" xmlns:p="http://schemas.openxmlformats.org/presentationml/2006/main">
+  <p:cSld>
+    <p:spTree>
+      <p:nvGrpSpPr>
+        <p:cNvPr id="1" name=""/>
+        <p:cNvGrpSpPr/>
+        <p:nvPr/>
+      </p:nvGrpSpPr>
+      <p:grpSpPr>
+        <a:xfrm>
+          <a:off x="0" y="0"/>
+          <a:ext cx="0" cy="0"/>
+          <a:chOff x="0" y="0"/>
+          <a:chExt cx="0" cy="0"/>
+        </a:xfrm>
+      </p:grpSpPr>
+      <p:sp>
+        <p:nvSpPr>
+          <p:cNvPr id="2" name="Title 1">
+            <a:extLst>
+              <a:ext uri="{FF2B5EF4-FFF2-40B4-BE49-F238E27FC236}">
+                <a16:creationId xmlns:a16="http://schemas.microsoft.com/office/drawing/2014/main" id="{3D465265-9F9B-489A-B16F-B826166D5947}"/>
+              </a:ext>
+            </a:extLst>
+          </p:cNvPr>
+          <p:cNvSpPr>
+            <a:spLocks noGrp="1"/>
+          </p:cNvSpPr>
+          <p:nvPr>
+            <p:ph type="title"/>
+          </p:nvPr>
+        </p:nvSpPr>
+        <p:spPr/>
+        <p:txBody>
+          <a:bodyPr/>
+          <a:lstStyle/>
+          <a:p>
+            <a:r>
+              <a:rPr lang="en-US"/>
+              <a:t>Formatting &amp; Precision</a:t>
+            </a:r>
+          </a:p>
+        </p:txBody>
+      </p:sp>
+      <p:sp>
+        <p:nvSpPr>
+          <p:cNvPr id="3" name="Content Placeholder 2">
+            <a:extLst>
+              <a:ext uri="{FF2B5EF4-FFF2-40B4-BE49-F238E27FC236}">
+                <a16:creationId xmlns:a16="http://schemas.microsoft.com/office/drawing/2014/main" id="{91B8E6B3-589A-4866-8D24-093ED64CF57F}"/>
+              </a:ext>
+            </a:extLst>
+          </p:cNvPr>
+          <p:cNvSpPr>
+            <a:spLocks noGrp="1"/>
+          </p:cNvSpPr>
+          <p:nvPr>
+            <p:ph idx="1"/>
+          </p:nvPr>
+        </p:nvSpPr>
+        <p:spPr/>
+        <p:txBody>
+          <a:bodyPr/>
+          <a:lstStyle/>
+          <a:p>
+            <a:r>
+              <a:rPr lang="en-US"/>
+              <a:t>Problem:</a:t>
+            </a:r>
+          </a:p>
+          <a:p>
+            <a:pPr lvl="1"/>
+            <a:r>
+              <a:rPr lang="en-US"/>
+              <a:t>The weight sensor on your robot measures weights in XX.XXXXX – you need to print the weight in a fixed 8 character width column in a table, with a precision of 2 digits after the decimal point</a:t>
+            </a:r>
+          </a:p>
+          <a:p>
+            <a:pPr lvl="1"/>
+            <a:r>
+              <a:rPr lang="en-US"/>
+              <a:t>#include &lt;</a:t>
+            </a:r>
+            <a:r>
+              <a:rPr lang="en-US" err="1"/>
+              <a:t>iomanip</a:t>
+            </a:r>
+            <a:r>
+              <a:rPr lang="en-US"/>
+              <a:t>&gt;</a:t>
+            </a:r>
+          </a:p>
+          <a:p>
+            <a:pPr lvl="1"/>
+            <a:r>
+              <a:rPr lang="en-US" err="1"/>
+              <a:t>cout</a:t>
+            </a:r>
+            <a:r>
+              <a:rPr lang="en-US"/>
+              <a:t> &lt;&lt; fixed &lt;&lt; setprecision(2)</a:t>
+            </a:r>
+          </a:p>
+          <a:p>
+            <a:pPr marL="457200" lvl="1" indent="0">
+              <a:buNone/>
+            </a:pPr>
+            <a:r>
+              <a:rPr lang="en-US"/>
+              <a:t>&lt;&lt; “|"</a:t>
+            </a:r>
+          </a:p>
+          <a:p>
+            <a:pPr marL="457200" lvl="1" indent="0">
+              <a:buNone/>
+            </a:pPr>
+            <a:r>
+              <a:rPr lang="en-US"/>
+              <a:t>&lt;&lt; setw(8) &lt;&lt; </a:t>
+            </a:r>
+            <a:r>
+              <a:rPr lang="en-US" err="1"/>
+              <a:t>sensor_weight</a:t>
+            </a:r>
+            <a:r>
+              <a:rPr lang="en-US"/>
+              <a:t> &lt;&lt; </a:t>
+            </a:r>
+            <a:r>
+              <a:rPr lang="en-US" err="1"/>
+              <a:t>endl</a:t>
+            </a:r>
+            <a:r>
+              <a:rPr lang="en-US"/>
+              <a:t>;</a:t>
+            </a:r>
+          </a:p>
+          <a:p>
+            <a:pPr lvl="1"/>
+            <a:r>
+              <a:rPr lang="en-US"/>
+              <a:t>fixed,  setprecision(N), setw(N) – </a:t>
+            </a:r>
+            <a:r>
+              <a:rPr lang="en-US" err="1"/>
+              <a:t>io</a:t>
+            </a:r>
+            <a:r>
+              <a:rPr lang="en-US"/>
+              <a:t> manipulators</a:t>
+            </a:r>
+          </a:p>
+          <a:p>
+            <a:pPr marL="457200" lvl="1" indent="0">
+              <a:buNone/>
+            </a:pPr>
+            <a:endParaRPr lang="en-US"/>
+          </a:p>
+        </p:txBody>
+      </p:sp>
+    </p:spTree>
+    <p:extLst>
+      <p:ext uri="{BB962C8B-B14F-4D97-AF65-F5344CB8AC3E}">
+        <p14:creationId xmlns:p14="http://schemas.microsoft.com/office/powerpoint/2010/main" val="1602731218"/>
+      </p:ext>
+    </p:extLst>
+  </p:cSld>
+  <p:clrMapOvr>
+    <a:masterClrMapping/>
+  </p:clrMapOvr>
+</p:sld>
+</file>
+
+<file path=ppt/slides/slide24.xml><?xml version="1.0" encoding="utf-8"?>
+<p:sld xmlns:a="http://schemas.openxmlformats.org/drawingml/2006/main" xmlns:r="http://schemas.openxmlformats.org/officeDocument/2006/relationships" xmlns:p="http://schemas.openxmlformats.org/presentationml/2006/main">
+  <p:cSld>
+    <p:spTree>
+      <p:nvGrpSpPr>
+        <p:cNvPr id="1" name=""/>
+        <p:cNvGrpSpPr/>
+        <p:nvPr/>
+      </p:nvGrpSpPr>
+      <p:grpSpPr>
+        <a:xfrm>
+          <a:off x="0" y="0"/>
+          <a:ext cx="0" cy="0"/>
+          <a:chOff x="0" y="0"/>
+          <a:chExt cx="0" cy="0"/>
+        </a:xfrm>
+      </p:grpSpPr>
+      <p:sp>
+        <p:nvSpPr>
+          <p:cNvPr id="2" name="Title 1">
+            <a:extLst>
+              <a:ext uri="{FF2B5EF4-FFF2-40B4-BE49-F238E27FC236}">
+                <a16:creationId xmlns:a16="http://schemas.microsoft.com/office/drawing/2014/main" id="{52AB5D90-DF42-4A83-95C9-92808F5408D5}"/>
+              </a:ext>
+            </a:extLst>
+          </p:cNvPr>
+          <p:cNvSpPr>
+            <a:spLocks noGrp="1"/>
+          </p:cNvSpPr>
+          <p:nvPr>
+            <p:ph type="title"/>
+          </p:nvPr>
+        </p:nvSpPr>
+        <p:spPr/>
+        <p:txBody>
+          <a:bodyPr/>
+          <a:lstStyle/>
+          <a:p>
+            <a:r>
+              <a:rPr lang="en-US"/>
+              <a:t>Problems:</a:t>
+            </a:r>
+          </a:p>
+        </p:txBody>
+      </p:sp>
+      <p:sp>
+        <p:nvSpPr>
+          <p:cNvPr id="3" name="Content Placeholder 2">
+            <a:extLst>
+              <a:ext uri="{FF2B5EF4-FFF2-40B4-BE49-F238E27FC236}">
+                <a16:creationId xmlns:a16="http://schemas.microsoft.com/office/drawing/2014/main" id="{AF4703FB-13B8-4179-89EE-523595C80F08}"/>
+              </a:ext>
+            </a:extLst>
+          </p:cNvPr>
+          <p:cNvSpPr>
+            <a:spLocks noGrp="1"/>
+          </p:cNvSpPr>
+          <p:nvPr>
+            <p:ph idx="1"/>
+          </p:nvPr>
+        </p:nvSpPr>
+        <p:spPr/>
+        <p:txBody>
+          <a:bodyPr>
+            <a:normAutofit fontScale="92500" lnSpcReduction="20000"/>
+          </a:bodyPr>
+          <a:lstStyle/>
+          <a:p>
+            <a:r>
+              <a:rPr lang="en-US"/>
+              <a:t>What output would you see?</a:t>
+            </a:r>
+          </a:p>
+          <a:p>
+            <a:pPr lvl="1"/>
+            <a:r>
+              <a:rPr lang="en-US" err="1"/>
+              <a:t>cout</a:t>
+            </a:r>
+            <a:r>
+              <a:rPr lang="en-US"/>
+              <a:t> &lt;&lt; 33.345678;</a:t>
+            </a:r>
+          </a:p>
+          <a:p>
+            <a:pPr lvl="1"/>
+            <a:r>
+              <a:rPr lang="en-US" err="1"/>
+              <a:t>cout</a:t>
+            </a:r>
+            <a:r>
+              <a:rPr lang="en-US"/>
+              <a:t> &lt;&lt; fixed &lt;&lt; setprecision(2) &lt;&lt; 12.3;</a:t>
+            </a:r>
+          </a:p>
+          <a:p>
+            <a:pPr lvl="1"/>
+            <a:r>
+              <a:rPr lang="en-US" err="1"/>
+              <a:t>cout</a:t>
+            </a:r>
+            <a:r>
+              <a:rPr lang="en-US"/>
+              <a:t> &lt;&lt; “|” &lt;&lt; setw(8) &lt;&lt; “1234”;</a:t>
+            </a:r>
+          </a:p>
+          <a:p>
+            <a:pPr lvl="1"/>
+            <a:r>
+              <a:rPr lang="en-US" err="1"/>
+              <a:t>cout</a:t>
+            </a:r>
+            <a:r>
+              <a:rPr lang="en-US"/>
+              <a:t> &lt;&lt; “|” &lt;&lt; setw(2) &lt;&lt; “1234”;</a:t>
+            </a:r>
+          </a:p>
+          <a:p>
+            <a:pPr lvl="1"/>
+            <a:r>
+              <a:rPr lang="en-US" err="1"/>
+              <a:t>cout</a:t>
+            </a:r>
+            <a:r>
+              <a:rPr lang="en-US"/>
+              <a:t> &lt;&lt; setw(8)  &lt;&lt; “|” &lt;&lt; “1234”;</a:t>
+            </a:r>
+          </a:p>
+          <a:p>
+            <a:r>
+              <a:rPr lang="en-US"/>
+              <a:t>What’s wrong with the code below:</a:t>
+            </a:r>
+          </a:p>
+          <a:p>
+            <a:pPr marL="0" indent="0">
+              <a:buNone/>
+            </a:pPr>
+            <a:r>
+              <a:rPr lang="en-US"/>
+              <a:t>	</a:t>
+            </a:r>
+            <a:r>
+              <a:rPr lang="en-US" err="1"/>
+              <a:t>cout</a:t>
+            </a:r>
+            <a:r>
+              <a:rPr lang="en-US"/>
+              <a:t> &lt;&lt; “Please enter weight : “ ;</a:t>
+            </a:r>
+          </a:p>
+          <a:p>
+            <a:pPr marL="0" indent="0">
+              <a:buNone/>
+            </a:pPr>
+            <a:r>
+              <a:rPr lang="en-US"/>
+              <a:t>	</a:t>
+            </a:r>
+            <a:r>
+              <a:rPr lang="en-US" err="1"/>
+              <a:t>int</a:t>
+            </a:r>
+            <a:r>
+              <a:rPr lang="en-US"/>
+              <a:t> _weight;</a:t>
+            </a:r>
+          </a:p>
+          <a:p>
+            <a:pPr marL="0" indent="0">
+              <a:buNone/>
+            </a:pPr>
+            <a:r>
+              <a:rPr lang="en-US"/>
+              <a:t>	</a:t>
+            </a:r>
+            <a:r>
+              <a:rPr lang="en-US" err="1"/>
+              <a:t>cin</a:t>
+            </a:r>
+            <a:r>
+              <a:rPr lang="en-US"/>
+              <a:t> &gt;&gt; _weight;</a:t>
+            </a:r>
+          </a:p>
+          <a:p>
+            <a:pPr marL="0" indent="0">
+              <a:buNone/>
+            </a:pPr>
+            <a:r>
+              <a:rPr lang="en-US"/>
+              <a:t>	int price;</a:t>
+            </a:r>
+          </a:p>
+          <a:p>
+            <a:pPr marL="0" indent="0">
+              <a:buNone/>
+            </a:pPr>
+            <a:r>
+              <a:rPr lang="en-US"/>
+              <a:t>	cin &gt;&gt; price;</a:t>
+            </a:r>
+          </a:p>
+          <a:p>
+            <a:pPr marL="0" indent="0">
+              <a:buNone/>
+            </a:pPr>
+            <a:endParaRPr lang="en-US"/>
+          </a:p>
+          <a:p>
+            <a:pPr lvl="1"/>
+            <a:endParaRPr lang="en-US"/>
+          </a:p>
+          <a:p>
+            <a:pPr lvl="1"/>
+            <a:endParaRPr lang="en-US"/>
+          </a:p>
+          <a:p>
+            <a:endParaRPr lang="en-US"/>
+          </a:p>
+        </p:txBody>
+      </p:sp>
+    </p:spTree>
+    <p:extLst>
+      <p:ext uri="{BB962C8B-B14F-4D97-AF65-F5344CB8AC3E}">
+        <p14:creationId xmlns:p14="http://schemas.microsoft.com/office/powerpoint/2010/main" val="1156836478"/>
+      </p:ext>
+    </p:extLst>
+  </p:cSld>
+  <p:clrMapOvr>
+    <a:masterClrMapping/>
+  </p:clrMapOvr>
+</p:sld>
+</file>
+
+<file path=ppt/slides/slide25.xml><?xml version="1.0" encoding="utf-8"?>
+<p:sld xmlns:a="http://schemas.openxmlformats.org/drawingml/2006/main" xmlns:r="http://schemas.openxmlformats.org/officeDocument/2006/relationships" xmlns:p="http://schemas.openxmlformats.org/presentationml/2006/main">
+  <p:cSld>
+    <p:spTree>
+      <p:nvGrpSpPr>
+        <p:cNvPr id="1" name=""/>
+        <p:cNvGrpSpPr/>
+        <p:nvPr/>
+      </p:nvGrpSpPr>
+      <p:grpSpPr>
+        <a:xfrm>
+          <a:off x="0" y="0"/>
+          <a:ext cx="0" cy="0"/>
+          <a:chOff x="0" y="0"/>
+          <a:chExt cx="0" cy="0"/>
+        </a:xfrm>
+      </p:grpSpPr>
+      <p:sp>
+        <p:nvSpPr>
+          <p:cNvPr id="2" name="Title 1">
+            <a:extLst>
+              <a:ext uri="{FF2B5EF4-FFF2-40B4-BE49-F238E27FC236}">
+                <a16:creationId xmlns:a16="http://schemas.microsoft.com/office/drawing/2014/main" id="{9A73B268-67C2-40EA-B4BD-8296C261DFA8}"/>
+              </a:ext>
+            </a:extLst>
+          </p:cNvPr>
+          <p:cNvSpPr>
+            <a:spLocks noGrp="1"/>
+          </p:cNvSpPr>
+          <p:nvPr>
+            <p:ph type="title"/>
+          </p:nvPr>
+        </p:nvSpPr>
+        <p:spPr/>
+        <p:txBody>
+          <a:bodyPr/>
+          <a:lstStyle/>
+          <a:p>
+            <a:r>
+              <a:rPr lang="en-US"/>
+              <a:t>Problem Solving</a:t>
+            </a:r>
+          </a:p>
+        </p:txBody>
+      </p:sp>
+      <p:sp>
+        <p:nvSpPr>
+          <p:cNvPr id="3" name="Content Placeholder 2">
+            <a:extLst>
+              <a:ext uri="{FF2B5EF4-FFF2-40B4-BE49-F238E27FC236}">
+                <a16:creationId xmlns:a16="http://schemas.microsoft.com/office/drawing/2014/main" id="{B5F4CCFC-A762-4190-BEC7-6E99B5BE70A8}"/>
+              </a:ext>
+            </a:extLst>
+          </p:cNvPr>
+          <p:cNvSpPr>
+            <a:spLocks noGrp="1"/>
+          </p:cNvSpPr>
+          <p:nvPr>
+            <p:ph idx="1"/>
+          </p:nvPr>
+        </p:nvSpPr>
+        <p:spPr/>
+        <p:txBody>
+          <a:bodyPr/>
+          <a:lstStyle/>
+          <a:p>
+            <a:r>
+              <a:rPr lang="en-US">
+                <a:hlinkClick r:id="rId2"/>
+              </a:rPr>
+              <a:t>https://www.youtube.com/watch?v=ADR7dUoVh_c</a:t>
+            </a:r>
+            <a:endParaRPr lang="en-US"/>
+          </a:p>
+          <a:p>
+            <a:endParaRPr lang="en-US"/>
+          </a:p>
+        </p:txBody>
+      </p:sp>
+    </p:spTree>
+    <p:extLst>
+      <p:ext uri="{BB962C8B-B14F-4D97-AF65-F5344CB8AC3E}">
+        <p14:creationId xmlns:p14="http://schemas.microsoft.com/office/powerpoint/2010/main" val="3151758259"/>
+      </p:ext>
+    </p:extLst>
+  </p:cSld>
+  <p:clrMapOvr>
+    <a:masterClrMapping/>
+  </p:clrMapOvr>
+</p:sld>
+</file>
+
+<file path=ppt/slides/slide26.xml><?xml version="1.0" encoding="utf-8"?>
+<p:sld xmlns:a="http://schemas.openxmlformats.org/drawingml/2006/main" xmlns:r="http://schemas.openxmlformats.org/officeDocument/2006/relationships" xmlns:p="http://schemas.openxmlformats.org/presentationml/2006/main">
+  <p:cSld>
+    <p:spTree>
+      <p:nvGrpSpPr>
+        <p:cNvPr id="1" name=""/>
+        <p:cNvGrpSpPr/>
+        <p:nvPr/>
+      </p:nvGrpSpPr>
+      <p:grpSpPr>
+        <a:xfrm>
+          <a:off x="0" y="0"/>
+          <a:ext cx="0" cy="0"/>
+          <a:chOff x="0" y="0"/>
+          <a:chExt cx="0" cy="0"/>
+        </a:xfrm>
+      </p:grpSpPr>
+      <p:sp>
+        <p:nvSpPr>
+          <p:cNvPr id="2" name="Title 1">
+            <a:extLst>
+              <a:ext uri="{FF2B5EF4-FFF2-40B4-BE49-F238E27FC236}">
+                <a16:creationId xmlns:a16="http://schemas.microsoft.com/office/drawing/2014/main" id="{470B00B8-B660-4899-A6E0-F47478283ED6}"/>
+              </a:ext>
+            </a:extLst>
+          </p:cNvPr>
+          <p:cNvSpPr>
+            <a:spLocks noGrp="1"/>
+          </p:cNvSpPr>
+          <p:nvPr>
+            <p:ph type="title"/>
+          </p:nvPr>
+        </p:nvSpPr>
+        <p:spPr/>
+        <p:txBody>
+          <a:bodyPr/>
+          <a:lstStyle/>
+          <a:p>
+            <a:r>
+              <a:rPr lang="en-US"/>
+              <a:t>Problem</a:t>
+            </a:r>
+          </a:p>
+        </p:txBody>
+      </p:sp>
+      <p:sp>
+        <p:nvSpPr>
+          <p:cNvPr id="3" name="Content Placeholder 2">
+            <a:extLst>
+              <a:ext uri="{FF2B5EF4-FFF2-40B4-BE49-F238E27FC236}">
+                <a16:creationId xmlns:a16="http://schemas.microsoft.com/office/drawing/2014/main" id="{F42D8B01-CA6A-4083-B95E-57C56A96B8F1}"/>
+              </a:ext>
+            </a:extLst>
+          </p:cNvPr>
+          <p:cNvSpPr>
+            <a:spLocks noGrp="1"/>
+          </p:cNvSpPr>
+          <p:nvPr>
+            <p:ph idx="1"/>
+          </p:nvPr>
+        </p:nvSpPr>
+        <p:spPr/>
+        <p:txBody>
+          <a:bodyPr/>
+          <a:lstStyle/>
+          <a:p>
+            <a:r>
+              <a:rPr lang="en-US"/>
+              <a:t>Emulate a vending machine</a:t>
+            </a:r>
+          </a:p>
+          <a:p>
+            <a:pPr lvl="1"/>
+            <a:r>
+              <a:rPr lang="en-US"/>
+              <a:t>Select product</a:t>
+            </a:r>
+          </a:p>
+          <a:p>
+            <a:pPr lvl="1"/>
+            <a:r>
+              <a:rPr lang="en-US"/>
+              <a:t>Display price</a:t>
+            </a:r>
+          </a:p>
+          <a:p>
+            <a:pPr lvl="1"/>
+            <a:r>
+              <a:rPr lang="en-US"/>
+              <a:t>Accept money </a:t>
+            </a:r>
+          </a:p>
+          <a:p>
+            <a:pPr lvl="2"/>
+            <a:r>
+              <a:rPr lang="en-US"/>
+              <a:t>Bills or coins (assume prices in multiples of quarters only, no tax).</a:t>
+            </a:r>
+          </a:p>
+          <a:p>
+            <a:pPr lvl="1"/>
+            <a:r>
+              <a:rPr lang="en-US"/>
+              <a:t>Dispense product</a:t>
+            </a:r>
+          </a:p>
+          <a:p>
+            <a:pPr lvl="1"/>
+            <a:r>
+              <a:rPr lang="en-US"/>
+              <a:t>Return money in bills and/or coins</a:t>
+            </a:r>
+          </a:p>
+          <a:p>
+            <a:pPr lvl="2"/>
+            <a:r>
+              <a:rPr lang="en-US"/>
+              <a:t>How does a computer decide how to pay you back in a combination of bills and coins?</a:t>
+            </a:r>
+          </a:p>
+        </p:txBody>
+      </p:sp>
+    </p:spTree>
+    <p:extLst>
+      <p:ext uri="{BB962C8B-B14F-4D97-AF65-F5344CB8AC3E}">
+        <p14:creationId xmlns:p14="http://schemas.microsoft.com/office/powerpoint/2010/main" val="3095912410"/>
+      </p:ext>
+    </p:extLst>
+  </p:cSld>
+  <p:clrMapOvr>
+    <a:masterClrMapping/>
+  </p:clrMapOvr>
+</p:sld>
+</file>
+
+<file path=ppt/slides/slide27.xml><?xml version="1.0" encoding="utf-8"?>
+<p:sld xmlns:a="http://schemas.openxmlformats.org/drawingml/2006/main" xmlns:r="http://schemas.openxmlformats.org/officeDocument/2006/relationships" xmlns:p="http://schemas.openxmlformats.org/presentationml/2006/main">
+  <p:cSld>
+    <p:spTree>
+      <p:nvGrpSpPr>
+        <p:cNvPr id="1" name=""/>
+        <p:cNvGrpSpPr/>
+        <p:nvPr/>
+      </p:nvGrpSpPr>
+      <p:grpSpPr>
+        <a:xfrm>
+          <a:off x="0" y="0"/>
+          <a:ext cx="0" cy="0"/>
+          <a:chOff x="0" y="0"/>
+          <a:chExt cx="0" cy="0"/>
+        </a:xfrm>
+      </p:grpSpPr>
+      <p:sp>
+        <p:nvSpPr>
+          <p:cNvPr id="2" name="Title 1">
+            <a:extLst>
+              <a:ext uri="{FF2B5EF4-FFF2-40B4-BE49-F238E27FC236}">
+                <a16:creationId xmlns:a16="http://schemas.microsoft.com/office/drawing/2014/main" id="{A79A71D4-673D-4B31-81F8-1A74D5897B0B}"/>
+              </a:ext>
+            </a:extLst>
+          </p:cNvPr>
+          <p:cNvSpPr>
+            <a:spLocks noGrp="1"/>
+          </p:cNvSpPr>
+          <p:nvPr>
+            <p:ph type="title"/>
+          </p:nvPr>
+        </p:nvSpPr>
+        <p:spPr/>
+        <p:txBody>
+          <a:bodyPr/>
+          <a:lstStyle/>
+          <a:p>
+            <a:r>
+              <a:rPr lang="en-US"/>
+              <a:t>Problem:</a:t>
+            </a:r>
+          </a:p>
+        </p:txBody>
+      </p:sp>
+      <p:sp>
+        <p:nvSpPr>
+          <p:cNvPr id="3" name="Content Placeholder 2">
+            <a:extLst>
+              <a:ext uri="{FF2B5EF4-FFF2-40B4-BE49-F238E27FC236}">
+                <a16:creationId xmlns:a16="http://schemas.microsoft.com/office/drawing/2014/main" id="{772C00B0-2CE7-4B1B-9D90-30EEA88A328C}"/>
+              </a:ext>
+            </a:extLst>
+          </p:cNvPr>
+          <p:cNvSpPr>
+            <a:spLocks noGrp="1"/>
+          </p:cNvSpPr>
+          <p:nvPr>
+            <p:ph idx="1"/>
+          </p:nvPr>
+        </p:nvSpPr>
+        <p:spPr/>
+        <p:txBody>
+          <a:bodyPr/>
+          <a:lstStyle/>
+          <a:p>
+            <a:r>
+              <a:rPr lang="en-US"/>
+              <a:t>Write a C++ program to tell you # of bills and coins given amount due</a:t>
+            </a:r>
+          </a:p>
+          <a:p>
+            <a:endParaRPr lang="en-US"/>
+          </a:p>
+        </p:txBody>
+      </p:sp>
+    </p:spTree>
+    <p:extLst>
+      <p:ext uri="{BB962C8B-B14F-4D97-AF65-F5344CB8AC3E}">
+        <p14:creationId xmlns:p14="http://schemas.microsoft.com/office/powerpoint/2010/main" val="1719196602"/>
+      </p:ext>
+    </p:extLst>
+  </p:cSld>
+  <p:clrMapOvr>
+    <a:masterClrMapping/>
+  </p:clrMapOvr>
+</p:sld>
+</file>
+
+<file path=ppt/slides/slide28.xml><?xml version="1.0" encoding="utf-8"?>
+<p:sld xmlns:a="http://schemas.openxmlformats.org/drawingml/2006/main" xmlns:r="http://schemas.openxmlformats.org/officeDocument/2006/relationships" xmlns:p="http://schemas.openxmlformats.org/presentationml/2006/main">
+  <p:cSld>
+    <p:spTree>
+      <p:nvGrpSpPr>
+        <p:cNvPr id="1" name=""/>
+        <p:cNvGrpSpPr/>
+        <p:nvPr/>
+      </p:nvGrpSpPr>
+      <p:grpSpPr>
+        <a:xfrm>
+          <a:off x="0" y="0"/>
+          <a:ext cx="0" cy="0"/>
+          <a:chOff x="0" y="0"/>
+          <a:chExt cx="0" cy="0"/>
+        </a:xfrm>
+      </p:grpSpPr>
+      <p:sp>
+        <p:nvSpPr>
+          <p:cNvPr id="2" name="Title 1">
+            <a:extLst>
+              <a:ext uri="{FF2B5EF4-FFF2-40B4-BE49-F238E27FC236}">
                 <a16:creationId xmlns:a16="http://schemas.microsoft.com/office/drawing/2014/main" id="{1DADD78A-49C2-412B-83B0-479D0374DB73}"/>
               </a:ext>
             </a:extLst>
@@ -8595,7 +9791,7 @@
           <a:lstStyle/>
           <a:p>
             <a:r>
-              <a:rPr lang="en-US" dirty="0"/>
+              <a:rPr lang="en-US"/>
               <a:t>Still remaining</a:t>
             </a:r>
           </a:p>
@@ -8623,14 +9819,8 @@
           <a:lstStyle/>
           <a:p>
             <a:r>
-              <a:rPr lang="en-US" dirty="0"/>
-              <a:t>Casts</a:t>
-            </a:r>
-          </a:p>
-          <a:p>
-            <a:r>
-              <a:rPr lang="en-US" dirty="0"/>
-              <a:t>Assignment and Arithmetic</a:t>
+              <a:rPr lang="en-US"/>
+              <a:t>REPLs</a:t>
             </a:r>
           </a:p>
           <a:p>
@@ -8638,7 +9828,6 @@
               <a:rPr lang="en-US"/>
               <a:t>Strings</a:t>
             </a:r>
-            <a:endParaRPr lang="en-US" dirty="0"/>
           </a:p>
         </p:txBody>
       </p:sp>
@@ -8694,7 +9883,7 @@
           <a:lstStyle/>
           <a:p>
             <a:r>
-              <a:rPr lang="en-US" dirty="0"/>
+              <a:rPr lang="en-US"/>
               <a:t>Variables</a:t>
             </a:r>
           </a:p>
@@ -8722,60 +9911,60 @@
           <a:lstStyle/>
           <a:p>
             <a:r>
-              <a:rPr lang="en-US" dirty="0"/>
+              <a:rPr lang="en-US"/>
               <a:t>Problem: </a:t>
             </a:r>
           </a:p>
           <a:p>
             <a:pPr lvl="1"/>
             <a:r>
-              <a:rPr lang="en-US" dirty="0"/>
+              <a:rPr lang="en-US"/>
               <a:t>Which has more soda: (Assume: 12 </a:t>
             </a:r>
             <a:r>
-              <a:rPr lang="en-US" dirty="0" err="1"/>
+              <a:rPr lang="en-US" err="1"/>
               <a:t>fl</a:t>
             </a:r>
             <a:r>
-              <a:rPr lang="en-US" dirty="0"/>
+              <a:rPr lang="en-US"/>
               <a:t> = 0.355 </a:t>
             </a:r>
             <a:r>
-              <a:rPr lang="en-US" dirty="0" err="1"/>
+              <a:rPr lang="en-US" err="1"/>
               <a:t>Ltr</a:t>
             </a:r>
             <a:r>
-              <a:rPr lang="en-US" dirty="0"/>
+              <a:rPr lang="en-US"/>
               <a:t>)</a:t>
             </a:r>
           </a:p>
           <a:p>
             <a:pPr lvl="2"/>
             <a:r>
-              <a:rPr lang="en-US" dirty="0"/>
+              <a:rPr lang="en-US"/>
               <a:t>A six pack of 12 </a:t>
             </a:r>
             <a:r>
-              <a:rPr lang="en-US" dirty="0" err="1"/>
+              <a:rPr lang="en-US" err="1"/>
               <a:t>oz</a:t>
             </a:r>
             <a:r>
-              <a:rPr lang="en-US" dirty="0"/>
+              <a:rPr lang="en-US"/>
               <a:t> cans</a:t>
             </a:r>
           </a:p>
           <a:p>
             <a:pPr lvl="2"/>
             <a:r>
-              <a:rPr lang="en-US" dirty="0"/>
+              <a:rPr lang="en-US"/>
               <a:t>2 </a:t>
             </a:r>
             <a:r>
-              <a:rPr lang="en-US" dirty="0" err="1"/>
+              <a:rPr lang="en-US" err="1"/>
               <a:t>Ltr</a:t>
             </a:r>
             <a:r>
-              <a:rPr lang="en-US" dirty="0"/>
+              <a:rPr lang="en-US"/>
               <a:t> bottle </a:t>
             </a:r>
           </a:p>
@@ -8833,7 +10022,7 @@
           <a:lstStyle/>
           <a:p>
             <a:r>
-              <a:rPr lang="en-US" dirty="0"/>
+              <a:rPr lang="en-US"/>
               <a:t>Variables</a:t>
             </a:r>
           </a:p>
@@ -8866,46 +10055,46 @@
           <a:lstStyle/>
           <a:p>
             <a:r>
-              <a:rPr lang="en-US" dirty="0"/>
+              <a:rPr lang="en-US"/>
               <a:t>Storage location</a:t>
             </a:r>
           </a:p>
           <a:p>
             <a:pPr lvl="1"/>
             <a:r>
-              <a:rPr lang="en-US" dirty="0"/>
+              <a:rPr lang="en-US"/>
               <a:t>In computer memory</a:t>
             </a:r>
           </a:p>
           <a:p>
             <a:pPr lvl="2"/>
             <a:r>
-              <a:rPr lang="en-US" dirty="0"/>
+              <a:rPr lang="en-US"/>
               <a:t>Where? Disk? Or in RAM? Also – what does RAM stand for?</a:t>
             </a:r>
           </a:p>
           <a:p>
             <a:pPr lvl="1"/>
             <a:r>
-              <a:rPr lang="en-US" dirty="0"/>
+              <a:rPr lang="en-US"/>
               <a:t>Has a name</a:t>
             </a:r>
           </a:p>
           <a:p>
             <a:pPr lvl="1"/>
             <a:r>
-              <a:rPr lang="en-US" dirty="0"/>
+              <a:rPr lang="en-US"/>
               <a:t>Name must follow some rules</a:t>
             </a:r>
           </a:p>
           <a:p>
             <a:pPr lvl="1"/>
             <a:r>
-              <a:rPr lang="en-US" dirty="0"/>
+              <a:rPr lang="en-US"/>
               <a:t>Should be </a:t>
             </a:r>
             <a:r>
-              <a:rPr lang="en-US" b="1" dirty="0">
+              <a:rPr lang="en-US" b="1">
                 <a:solidFill>
                   <a:srgbClr val="FF0000"/>
                 </a:solidFill>
@@ -8913,35 +10102,35 @@
               <a:t>initialized</a:t>
             </a:r>
             <a:r>
-              <a:rPr lang="en-US" dirty="0"/>
+              <a:rPr lang="en-US"/>
               <a:t>. </a:t>
             </a:r>
           </a:p>
           <a:p>
             <a:pPr lvl="2"/>
             <a:r>
-              <a:rPr lang="en-US" dirty="0"/>
+              <a:rPr lang="en-US"/>
               <a:t>Bad things happen when you don’t. </a:t>
             </a:r>
           </a:p>
           <a:p>
             <a:pPr lvl="1"/>
             <a:r>
-              <a:rPr lang="en-US" dirty="0"/>
+              <a:rPr lang="en-US"/>
               <a:t>Is </a:t>
             </a:r>
             <a:r>
-              <a:rPr lang="en-US" b="1" dirty="0"/>
+              <a:rPr lang="en-US" b="1"/>
               <a:t>strongly</a:t>
             </a:r>
             <a:r>
-              <a:rPr lang="en-US" dirty="0"/>
+              <a:rPr lang="en-US"/>
               <a:t> typed</a:t>
             </a:r>
           </a:p>
           <a:p>
             <a:pPr lvl="2"/>
-            <a:endParaRPr lang="en-US" dirty="0"/>
+            <a:endParaRPr lang="en-US"/>
           </a:p>
         </p:txBody>
       </p:sp>
@@ -9044,7 +10233,7 @@
           <a:lstStyle/>
           <a:p>
             <a:r>
-              <a:rPr lang="en-US" dirty="0"/>
+              <a:rPr lang="en-US"/>
               <a:t>Variables</a:t>
             </a:r>
           </a:p>
@@ -9072,28 +10261,28 @@
           <a:lstStyle/>
           <a:p>
             <a:r>
-              <a:rPr lang="en-US" dirty="0"/>
+              <a:rPr lang="en-US"/>
               <a:t>Example:</a:t>
             </a:r>
           </a:p>
           <a:p>
-            <a:endParaRPr lang="en-US" dirty="0"/>
-          </a:p>
-          <a:p>
-            <a:r>
-              <a:rPr lang="en-US" dirty="0" err="1"/>
+            <a:endParaRPr lang="en-US"/>
+          </a:p>
+          <a:p>
+            <a:r>
+              <a:rPr lang="en-US" err="1"/>
               <a:t>int</a:t>
             </a:r>
             <a:r>
-              <a:rPr lang="en-US" dirty="0"/>
+              <a:rPr lang="en-US"/>
               <a:t> </a:t>
             </a:r>
             <a:r>
-              <a:rPr lang="en-US" dirty="0" err="1"/>
+              <a:rPr lang="en-US" err="1"/>
               <a:t>number_of_cans</a:t>
             </a:r>
             <a:r>
-              <a:rPr lang="en-US" dirty="0"/>
+              <a:rPr lang="en-US"/>
               <a:t> = 6;</a:t>
             </a:r>
           </a:p>
@@ -9151,7 +10340,7 @@
           <a:lstStyle/>
           <a:p>
             <a:r>
-              <a:rPr lang="en-US" dirty="0"/>
+              <a:rPr lang="en-US"/>
               <a:t>Variables</a:t>
             </a:r>
           </a:p>
@@ -9179,89 +10368,89 @@
           <a:lstStyle/>
           <a:p>
             <a:r>
-              <a:rPr lang="en-US" dirty="0"/>
+              <a:rPr lang="en-US"/>
               <a:t>Valid – or – Invalid?</a:t>
             </a:r>
           </a:p>
           <a:p>
             <a:pPr lvl="1"/>
             <a:r>
-              <a:rPr lang="en-US" dirty="0" err="1"/>
+              <a:rPr lang="en-US" err="1"/>
               <a:t>int</a:t>
             </a:r>
             <a:r>
-              <a:rPr lang="en-US" dirty="0"/>
+              <a:rPr lang="en-US"/>
               <a:t> </a:t>
             </a:r>
             <a:r>
-              <a:rPr lang="en-US" dirty="0" err="1"/>
+              <a:rPr lang="en-US" err="1"/>
               <a:t>no_cans</a:t>
             </a:r>
             <a:r>
-              <a:rPr lang="en-US" dirty="0"/>
+              <a:rPr lang="en-US"/>
               <a:t> = 6;</a:t>
             </a:r>
           </a:p>
           <a:p>
             <a:pPr lvl="1"/>
             <a:r>
-              <a:rPr lang="en-US" dirty="0" err="1"/>
+              <a:rPr lang="en-US" err="1"/>
               <a:t>int</a:t>
             </a:r>
             <a:r>
-              <a:rPr lang="en-US" dirty="0"/>
+              <a:rPr lang="en-US"/>
               <a:t> total = </a:t>
             </a:r>
             <a:r>
-              <a:rPr lang="en-US" dirty="0" err="1"/>
+              <a:rPr lang="en-US" err="1"/>
               <a:t>no_cans</a:t>
             </a:r>
             <a:r>
-              <a:rPr lang="en-US" dirty="0"/>
+              <a:rPr lang="en-US"/>
               <a:t> + bottles;</a:t>
             </a:r>
           </a:p>
           <a:p>
             <a:pPr lvl="1"/>
             <a:r>
-              <a:rPr lang="en-US" dirty="0" err="1"/>
+              <a:rPr lang="en-US" err="1"/>
               <a:t>Int</a:t>
             </a:r>
             <a:r>
-              <a:rPr lang="en-US" dirty="0"/>
+              <a:rPr lang="en-US"/>
               <a:t> hammers = “10’;</a:t>
             </a:r>
           </a:p>
           <a:p>
             <a:pPr lvl="1"/>
             <a:r>
-              <a:rPr lang="en-US" dirty="0" err="1"/>
+              <a:rPr lang="en-US" err="1"/>
               <a:t>int</a:t>
             </a:r>
             <a:r>
-              <a:rPr lang="en-US" dirty="0"/>
+              <a:rPr lang="en-US"/>
               <a:t> bubbles;</a:t>
             </a:r>
           </a:p>
           <a:p>
             <a:pPr lvl="1"/>
             <a:r>
-              <a:rPr lang="en-US" dirty="0" err="1"/>
+              <a:rPr lang="en-US" err="1"/>
               <a:t>int</a:t>
             </a:r>
             <a:r>
-              <a:rPr lang="en-US" dirty="0"/>
+              <a:rPr lang="en-US"/>
               <a:t> bubbles = 100, balloons = 50;</a:t>
             </a:r>
           </a:p>
           <a:p>
             <a:pPr lvl="1"/>
             <a:r>
-              <a:rPr lang="en-US" dirty="0" err="1"/>
+              <a:rPr lang="en-US" err="1"/>
               <a:t>fidget_spinners</a:t>
             </a:r>
             <a:r>
-              <a:rPr lang="en-US" dirty="0"/>
+              <a:rPr lang="en-US"/>
               <a:t> = 3.97;</a:t>
             </a:r>
           </a:p>
@@ -9319,7 +10508,7 @@
           <a:lstStyle/>
           <a:p>
             <a:r>
-              <a:rPr lang="en-US" dirty="0"/>
+              <a:rPr lang="en-US"/>
               <a:t>Literals</a:t>
             </a:r>
           </a:p>
@@ -9347,76 +10536,76 @@
           <a:lstStyle/>
           <a:p>
             <a:r>
-              <a:rPr lang="en-US" dirty="0"/>
+              <a:rPr lang="en-US"/>
               <a:t>Are these valid number literals:</a:t>
             </a:r>
           </a:p>
           <a:p>
             <a:pPr lvl="1"/>
             <a:r>
-              <a:rPr lang="en-US" dirty="0"/>
+              <a:rPr lang="en-US"/>
               <a:t>8</a:t>
             </a:r>
           </a:p>
           <a:p>
             <a:pPr lvl="1"/>
             <a:r>
-              <a:rPr lang="en-US" dirty="0"/>
+              <a:rPr lang="en-US"/>
               <a:t>-145</a:t>
             </a:r>
           </a:p>
           <a:p>
             <a:pPr lvl="1"/>
             <a:r>
-              <a:rPr lang="en-US" dirty="0"/>
+              <a:rPr lang="en-US"/>
               <a:t>0</a:t>
             </a:r>
           </a:p>
           <a:p>
             <a:pPr lvl="1"/>
             <a:r>
-              <a:rPr lang="en-US" dirty="0"/>
+              <a:rPr lang="en-US"/>
               <a:t>3.5</a:t>
             </a:r>
           </a:p>
           <a:p>
             <a:pPr lvl="1"/>
             <a:r>
-              <a:rPr lang="en-US" dirty="0"/>
+              <a:rPr lang="en-US"/>
               <a:t>1.0</a:t>
             </a:r>
           </a:p>
           <a:p>
             <a:pPr lvl="1"/>
             <a:r>
-              <a:rPr lang="en-US" dirty="0"/>
+              <a:rPr lang="en-US"/>
               <a:t>2.75E8</a:t>
             </a:r>
           </a:p>
           <a:p>
             <a:pPr lvl="1"/>
             <a:r>
-              <a:rPr lang="en-US" dirty="0"/>
+              <a:rPr lang="en-US"/>
               <a:t>250E-3</a:t>
             </a:r>
           </a:p>
           <a:p>
             <a:pPr lvl="1"/>
             <a:r>
-              <a:rPr lang="en-US" dirty="0"/>
+              <a:rPr lang="en-US"/>
               <a:t>2,345</a:t>
             </a:r>
           </a:p>
           <a:p>
             <a:pPr lvl="1"/>
             <a:r>
-              <a:rPr lang="en-US" dirty="0"/>
+              <a:rPr lang="en-US"/>
               <a:t>3¾ </a:t>
             </a:r>
           </a:p>
           <a:p>
             <a:pPr lvl="1"/>
-            <a:endParaRPr lang="en-US" dirty="0"/>
+            <a:endParaRPr lang="en-US"/>
           </a:p>
         </p:txBody>
       </p:sp>
@@ -9472,7 +10661,7 @@
           <a:lstStyle/>
           <a:p>
             <a:r>
-              <a:rPr lang="en-US" dirty="0"/>
+              <a:rPr lang="en-US"/>
               <a:t>How to name a variable</a:t>
             </a:r>
           </a:p>
@@ -9500,77 +10689,77 @@
           <a:lstStyle/>
           <a:p>
             <a:r>
-              <a:rPr lang="en-US" dirty="0"/>
+              <a:rPr lang="en-US"/>
               <a:t>Starts w/ a letter or ‘_’</a:t>
             </a:r>
           </a:p>
           <a:p>
             <a:pPr lvl="1"/>
             <a:r>
-              <a:rPr lang="en-US" dirty="0"/>
+              <a:rPr lang="en-US"/>
               <a:t>Allowed to contain letters, numbers and _</a:t>
             </a:r>
           </a:p>
           <a:p>
             <a:pPr lvl="1"/>
             <a:r>
-              <a:rPr lang="en-US" dirty="0"/>
+              <a:rPr lang="en-US"/>
               <a:t>No symbols (@, !, ^, *, </a:t>
             </a:r>
             <a:r>
-              <a:rPr lang="en-US" dirty="0" err="1"/>
+              <a:rPr lang="en-US" err="1"/>
               <a:t>etc</a:t>
             </a:r>
             <a:r>
-              <a:rPr lang="en-US" dirty="0"/>
+              <a:rPr lang="en-US"/>
               <a:t>) or spaces</a:t>
             </a:r>
           </a:p>
           <a:p>
             <a:pPr lvl="2"/>
             <a:r>
-              <a:rPr lang="en-US" dirty="0"/>
+              <a:rPr lang="en-US"/>
               <a:t>Replace space w/ ‘_’  like so:  </a:t>
             </a:r>
             <a:r>
-              <a:rPr lang="en-US" dirty="0" err="1"/>
+              <a:rPr lang="en-US" err="1"/>
               <a:t>mac_and_cheese</a:t>
             </a:r>
-            <a:endParaRPr lang="en-US" dirty="0"/>
+            <a:endParaRPr lang="en-US"/>
           </a:p>
           <a:p>
             <a:pPr lvl="1"/>
             <a:r>
-              <a:rPr lang="en-US" dirty="0"/>
+              <a:rPr lang="en-US"/>
               <a:t>Case sensitive: mac and </a:t>
             </a:r>
             <a:r>
-              <a:rPr lang="en-US" dirty="0" err="1"/>
+              <a:rPr lang="en-US" err="1"/>
               <a:t>MaC</a:t>
             </a:r>
             <a:r>
-              <a:rPr lang="en-US" dirty="0"/>
+              <a:rPr lang="en-US"/>
               <a:t> are different!</a:t>
             </a:r>
           </a:p>
           <a:p>
             <a:pPr lvl="1"/>
             <a:r>
-              <a:rPr lang="en-US" dirty="0"/>
+              <a:rPr lang="en-US"/>
               <a:t>Keywords not allowed</a:t>
             </a:r>
           </a:p>
           <a:p>
             <a:pPr lvl="1"/>
             <a:r>
-              <a:rPr lang="en-US" dirty="0"/>
+              <a:rPr lang="en-US"/>
               <a:t>Same name for different variables not allowed – with one exception</a:t>
             </a:r>
           </a:p>
           <a:p>
             <a:pPr lvl="2"/>
             <a:r>
-              <a:rPr lang="en-US" dirty="0"/>
+              <a:rPr lang="en-US"/>
               <a:t>Guess the exception</a:t>
             </a:r>
           </a:p>
@@ -9628,7 +10817,7 @@
           <a:lstStyle/>
           <a:p>
             <a:r>
-              <a:rPr lang="en-US" dirty="0"/>
+              <a:rPr lang="en-US"/>
               <a:t>Variables</a:t>
             </a:r>
           </a:p>
@@ -9656,84 +10845,84 @@
           <a:lstStyle/>
           <a:p>
             <a:r>
-              <a:rPr lang="en-US" dirty="0"/>
+              <a:rPr lang="en-US"/>
               <a:t>Valid or invalid names?</a:t>
             </a:r>
           </a:p>
           <a:p>
             <a:pPr lvl="1"/>
             <a:r>
-              <a:rPr lang="en-US" dirty="0"/>
+              <a:rPr lang="en-US"/>
               <a:t>Mickey</a:t>
             </a:r>
           </a:p>
           <a:p>
             <a:pPr lvl="1"/>
             <a:r>
-              <a:rPr lang="en-US" dirty="0"/>
+              <a:rPr lang="en-US"/>
               <a:t>&amp;</a:t>
             </a:r>
             <a:r>
-              <a:rPr lang="en-US" dirty="0" err="1"/>
+              <a:rPr lang="en-US" err="1"/>
               <a:t>pluto</a:t>
             </a:r>
-            <a:endParaRPr lang="en-US" dirty="0"/>
+            <a:endParaRPr lang="en-US"/>
           </a:p>
           <a:p>
             <a:pPr lvl="1"/>
             <a:r>
-              <a:rPr lang="en-US" dirty="0"/>
+              <a:rPr lang="en-US"/>
               <a:t>X</a:t>
             </a:r>
           </a:p>
           <a:p>
             <a:pPr lvl="1"/>
             <a:r>
-              <a:rPr lang="en-US" dirty="0"/>
+              <a:rPr lang="en-US"/>
               <a:t>Daisy and Donald</a:t>
             </a:r>
           </a:p>
           <a:p>
             <a:pPr lvl="1"/>
             <a:r>
-              <a:rPr lang="en-US" dirty="0"/>
+              <a:rPr lang="en-US"/>
               <a:t>3l33t</a:t>
             </a:r>
           </a:p>
           <a:p>
             <a:pPr lvl="1"/>
             <a:r>
-              <a:rPr lang="en-US" dirty="0" err="1"/>
+              <a:rPr lang="en-US" err="1"/>
               <a:t>can_you_see_me</a:t>
             </a:r>
             <a:r>
-              <a:rPr lang="en-US" dirty="0"/>
+              <a:rPr lang="en-US"/>
               <a:t>? </a:t>
             </a:r>
           </a:p>
           <a:p>
             <a:pPr lvl="1"/>
             <a:r>
-              <a:rPr lang="en-US" dirty="0"/>
+              <a:rPr lang="en-US"/>
               <a:t>Miles/</a:t>
             </a:r>
             <a:r>
-              <a:rPr lang="en-US" dirty="0" err="1"/>
+              <a:rPr lang="en-US" err="1"/>
               <a:t>hr</a:t>
             </a:r>
-            <a:endParaRPr lang="en-US" dirty="0"/>
+            <a:endParaRPr lang="en-US"/>
           </a:p>
           <a:p>
             <a:pPr lvl="1"/>
-            <a:endParaRPr lang="en-US" dirty="0"/>
+            <a:endParaRPr lang="en-US"/>
           </a:p>
           <a:p>
             <a:pPr lvl="1"/>
-            <a:endParaRPr lang="en-US" dirty="0"/>
+            <a:endParaRPr lang="en-US"/>
           </a:p>
           <a:p>
             <a:pPr lvl="1"/>
-            <a:endParaRPr lang="en-US" dirty="0"/>
+            <a:endParaRPr lang="en-US"/>
           </a:p>
         </p:txBody>
       </p:sp>
